--- a/Fourier_Optics_Report_Fall_2025/Images.pptx
+++ b/Fourier_Optics_Report_Fall_2025/Images.pptx
@@ -105,6 +105,11 @@
       </a:defRPr>
     </a:lvl9pPr>
   </p:defaultTextStyle>
+  <p:extLst>
+    <p:ext uri="{EFAFB233-063F-42B5-8137-9DF3F51BA10A}">
+      <p15:sldGuideLst xmlns:p15="http://schemas.microsoft.com/office/powerpoint/2012/main"/>
+    </p:ext>
+  </p:extLst>
 </p:presentation>
 </file>
 
@@ -3344,9 +3349,10 @@
           <a:lstStyle/>
           <a:p>
             <a:r>
-              <a:rPr lang="en-US" dirty="0"/>
-              <a:t>Images</a:t>
-            </a:r>
+              <a:rPr lang="en-US"/>
+              <a:t>Project Images</a:t>
+            </a:r>
+            <a:endParaRPr lang="en-US" dirty="0"/>
           </a:p>
         </p:txBody>
       </p:sp>

--- a/Fourier_Optics_Report_Fall_2025/Images.pptx
+++ b/Fourier_Optics_Report_Fall_2025/Images.pptx
@@ -7,6 +7,8 @@
   <p:sldIdLst>
     <p:sldId id="256" r:id="rId2"/>
     <p:sldId id="257" r:id="rId3"/>
+    <p:sldId id="258" r:id="rId4"/>
+    <p:sldId id="259" r:id="rId5"/>
   </p:sldIdLst>
   <p:sldSz cx="12192000" cy="6858000"/>
   <p:notesSz cx="6858000" cy="9144000"/>
@@ -260,7 +262,7 @@
           <a:p>
             <a:fld id="{E769374C-7030-47EF-9C95-C080002EFD85}" type="datetimeFigureOut">
               <a:rPr lang="en-US" smtClean="0"/>
-              <a:t>10/31/2025</a:t>
+              <a:t>11/1/2025</a:t>
             </a:fld>
             <a:endParaRPr lang="en-US"/>
           </a:p>
@@ -458,7 +460,7 @@
           <a:p>
             <a:fld id="{E769374C-7030-47EF-9C95-C080002EFD85}" type="datetimeFigureOut">
               <a:rPr lang="en-US" smtClean="0"/>
-              <a:t>10/31/2025</a:t>
+              <a:t>11/1/2025</a:t>
             </a:fld>
             <a:endParaRPr lang="en-US"/>
           </a:p>
@@ -666,7 +668,7 @@
           <a:p>
             <a:fld id="{E769374C-7030-47EF-9C95-C080002EFD85}" type="datetimeFigureOut">
               <a:rPr lang="en-US" smtClean="0"/>
-              <a:t>10/31/2025</a:t>
+              <a:t>11/1/2025</a:t>
             </a:fld>
             <a:endParaRPr lang="en-US"/>
           </a:p>
@@ -864,7 +866,7 @@
           <a:p>
             <a:fld id="{E769374C-7030-47EF-9C95-C080002EFD85}" type="datetimeFigureOut">
               <a:rPr lang="en-US" smtClean="0"/>
-              <a:t>10/31/2025</a:t>
+              <a:t>11/1/2025</a:t>
             </a:fld>
             <a:endParaRPr lang="en-US"/>
           </a:p>
@@ -1139,7 +1141,7 @@
           <a:p>
             <a:fld id="{E769374C-7030-47EF-9C95-C080002EFD85}" type="datetimeFigureOut">
               <a:rPr lang="en-US" smtClean="0"/>
-              <a:t>10/31/2025</a:t>
+              <a:t>11/1/2025</a:t>
             </a:fld>
             <a:endParaRPr lang="en-US"/>
           </a:p>
@@ -1404,7 +1406,7 @@
           <a:p>
             <a:fld id="{E769374C-7030-47EF-9C95-C080002EFD85}" type="datetimeFigureOut">
               <a:rPr lang="en-US" smtClean="0"/>
-              <a:t>10/31/2025</a:t>
+              <a:t>11/1/2025</a:t>
             </a:fld>
             <a:endParaRPr lang="en-US"/>
           </a:p>
@@ -1816,7 +1818,7 @@
           <a:p>
             <a:fld id="{E769374C-7030-47EF-9C95-C080002EFD85}" type="datetimeFigureOut">
               <a:rPr lang="en-US" smtClean="0"/>
-              <a:t>10/31/2025</a:t>
+              <a:t>11/1/2025</a:t>
             </a:fld>
             <a:endParaRPr lang="en-US"/>
           </a:p>
@@ -1957,7 +1959,7 @@
           <a:p>
             <a:fld id="{E769374C-7030-47EF-9C95-C080002EFD85}" type="datetimeFigureOut">
               <a:rPr lang="en-US" smtClean="0"/>
-              <a:t>10/31/2025</a:t>
+              <a:t>11/1/2025</a:t>
             </a:fld>
             <a:endParaRPr lang="en-US"/>
           </a:p>
@@ -2070,7 +2072,7 @@
           <a:p>
             <a:fld id="{E769374C-7030-47EF-9C95-C080002EFD85}" type="datetimeFigureOut">
               <a:rPr lang="en-US" smtClean="0"/>
-              <a:t>10/31/2025</a:t>
+              <a:t>11/1/2025</a:t>
             </a:fld>
             <a:endParaRPr lang="en-US"/>
           </a:p>
@@ -2381,7 +2383,7 @@
           <a:p>
             <a:fld id="{E769374C-7030-47EF-9C95-C080002EFD85}" type="datetimeFigureOut">
               <a:rPr lang="en-US" smtClean="0"/>
-              <a:t>10/31/2025</a:t>
+              <a:t>11/1/2025</a:t>
             </a:fld>
             <a:endParaRPr lang="en-US"/>
           </a:p>
@@ -2669,7 +2671,7 @@
           <a:p>
             <a:fld id="{E769374C-7030-47EF-9C95-C080002EFD85}" type="datetimeFigureOut">
               <a:rPr lang="en-US" smtClean="0"/>
-              <a:t>10/31/2025</a:t>
+              <a:t>11/1/2025</a:t>
             </a:fld>
             <a:endParaRPr lang="en-US"/>
           </a:p>
@@ -2910,7 +2912,7 @@
           <a:p>
             <a:fld id="{E769374C-7030-47EF-9C95-C080002EFD85}" type="datetimeFigureOut">
               <a:rPr lang="en-US" smtClean="0"/>
-              <a:t>10/31/2025</a:t>
+              <a:t>11/1/2025</a:t>
             </a:fld>
             <a:endParaRPr lang="en-US"/>
           </a:p>
@@ -3428,6 +3430,136 @@
 </p:sld>
 </file>
 
+<file path=ppt/slides/slide3.xml><?xml version="1.0" encoding="utf-8"?>
+<p:sld xmlns:a="http://schemas.openxmlformats.org/drawingml/2006/main" xmlns:r="http://schemas.openxmlformats.org/officeDocument/2006/relationships" xmlns:p="http://schemas.openxmlformats.org/presentationml/2006/main">
+  <p:cSld>
+    <p:spTree>
+      <p:nvGrpSpPr>
+        <p:cNvPr id="1" name=""/>
+        <p:cNvGrpSpPr/>
+        <p:nvPr/>
+      </p:nvGrpSpPr>
+      <p:grpSpPr>
+        <a:xfrm>
+          <a:off x="0" y="0"/>
+          <a:ext cx="0" cy="0"/>
+          <a:chOff x="0" y="0"/>
+          <a:chExt cx="0" cy="0"/>
+        </a:xfrm>
+      </p:grpSpPr>
+      <p:pic>
+        <p:nvPicPr>
+          <p:cNvPr id="5" name="Picture 4" descr="A white circle in a black square&#10;&#10;Description automatically generated">
+            <a:extLst>
+              <a:ext uri="{FF2B5EF4-FFF2-40B4-BE49-F238E27FC236}">
+                <a16:creationId xmlns:a16="http://schemas.microsoft.com/office/drawing/2014/main" id="{13966CB4-2A24-6C9E-6636-D8CE6D07E639}"/>
+              </a:ext>
+            </a:extLst>
+          </p:cNvPr>
+          <p:cNvPicPr>
+            <a:picLocks noChangeAspect="1"/>
+          </p:cNvPicPr>
+          <p:nvPr/>
+        </p:nvPicPr>
+        <p:blipFill rotWithShape="1">
+          <a:blip r:embed="rId2">
+            <a:extLst>
+              <a:ext uri="{28A0092B-C50C-407E-A947-70E740481C1C}">
+                <a14:useLocalDpi xmlns:a14="http://schemas.microsoft.com/office/drawing/2010/main" val="0"/>
+              </a:ext>
+            </a:extLst>
+          </a:blip>
+          <a:srcRect l="26106" t="6729" r="15481" b="4008"/>
+          <a:stretch/>
+        </p:blipFill>
+        <p:spPr>
+          <a:xfrm>
+            <a:off x="2535115" y="400050"/>
+            <a:ext cx="7121770" cy="6057900"/>
+          </a:xfrm>
+          <a:prstGeom prst="rect">
+            <a:avLst/>
+          </a:prstGeom>
+        </p:spPr>
+      </p:pic>
+    </p:spTree>
+    <p:extLst>
+      <p:ext uri="{BB962C8B-B14F-4D97-AF65-F5344CB8AC3E}">
+        <p14:creationId xmlns:p14="http://schemas.microsoft.com/office/powerpoint/2010/main" val="1718261336"/>
+      </p:ext>
+    </p:extLst>
+  </p:cSld>
+  <p:clrMapOvr>
+    <a:masterClrMapping/>
+  </p:clrMapOvr>
+</p:sld>
+</file>
+
+<file path=ppt/slides/slide4.xml><?xml version="1.0" encoding="utf-8"?>
+<p:sld xmlns:a="http://schemas.openxmlformats.org/drawingml/2006/main" xmlns:r="http://schemas.openxmlformats.org/officeDocument/2006/relationships" xmlns:p="http://schemas.openxmlformats.org/presentationml/2006/main">
+  <p:cSld>
+    <p:spTree>
+      <p:nvGrpSpPr>
+        <p:cNvPr id="1" name=""/>
+        <p:cNvGrpSpPr/>
+        <p:nvPr/>
+      </p:nvGrpSpPr>
+      <p:grpSpPr>
+        <a:xfrm>
+          <a:off x="0" y="0"/>
+          <a:ext cx="0" cy="0"/>
+          <a:chOff x="0" y="0"/>
+          <a:chExt cx="0" cy="0"/>
+        </a:xfrm>
+      </p:grpSpPr>
+      <p:pic>
+        <p:nvPicPr>
+          <p:cNvPr id="5" name="Picture 4" descr="A green and yellow concentric circles">
+            <a:extLst>
+              <a:ext uri="{FF2B5EF4-FFF2-40B4-BE49-F238E27FC236}">
+                <a16:creationId xmlns:a16="http://schemas.microsoft.com/office/drawing/2014/main" id="{CCAD91D6-91DF-ED67-808E-50B2FA7B7906}"/>
+              </a:ext>
+            </a:extLst>
+          </p:cNvPr>
+          <p:cNvPicPr>
+            <a:picLocks noChangeAspect="1"/>
+          </p:cNvPicPr>
+          <p:nvPr/>
+        </p:nvPicPr>
+        <p:blipFill rotWithShape="1">
+          <a:blip r:embed="rId2">
+            <a:extLst>
+              <a:ext uri="{28A0092B-C50C-407E-A947-70E740481C1C}">
+                <a14:useLocalDpi xmlns:a14="http://schemas.microsoft.com/office/drawing/2010/main" val="0"/>
+              </a:ext>
+            </a:extLst>
+          </a:blip>
+          <a:srcRect l="26755" t="8414" r="14616" b="4525"/>
+          <a:stretch/>
+        </p:blipFill>
+        <p:spPr>
+          <a:xfrm>
+            <a:off x="2521927" y="474784"/>
+            <a:ext cx="7148146" cy="5908432"/>
+          </a:xfrm>
+          <a:prstGeom prst="rect">
+            <a:avLst/>
+          </a:prstGeom>
+        </p:spPr>
+      </p:pic>
+    </p:spTree>
+    <p:extLst>
+      <p:ext uri="{BB962C8B-B14F-4D97-AF65-F5344CB8AC3E}">
+        <p14:creationId xmlns:p14="http://schemas.microsoft.com/office/powerpoint/2010/main" val="358993117"/>
+      </p:ext>
+    </p:extLst>
+  </p:cSld>
+  <p:clrMapOvr>
+    <a:masterClrMapping/>
+  </p:clrMapOvr>
+</p:sld>
+</file>
+
 <file path=ppt/theme/theme1.xml><?xml version="1.0" encoding="utf-8"?>
 <a:theme xmlns:a="http://schemas.openxmlformats.org/drawingml/2006/main" name="Office Theme">
   <a:themeElements>

--- a/Fourier_Optics_Report_Fall_2025/Images.pptx
+++ b/Fourier_Optics_Report_Fall_2025/Images.pptx
@@ -9,6 +9,9 @@
     <p:sldId id="257" r:id="rId3"/>
     <p:sldId id="258" r:id="rId4"/>
     <p:sldId id="259" r:id="rId5"/>
+    <p:sldId id="260" r:id="rId6"/>
+    <p:sldId id="261" r:id="rId7"/>
+    <p:sldId id="262" r:id="rId8"/>
   </p:sldIdLst>
   <p:sldSz cx="12192000" cy="6858000"/>
   <p:notesSz cx="6858000" cy="9144000"/>
@@ -262,7 +265,7 @@
           <a:p>
             <a:fld id="{E769374C-7030-47EF-9C95-C080002EFD85}" type="datetimeFigureOut">
               <a:rPr lang="en-US" smtClean="0"/>
-              <a:t>11/1/2025</a:t>
+              <a:t>11/6/2025</a:t>
             </a:fld>
             <a:endParaRPr lang="en-US"/>
           </a:p>
@@ -460,7 +463,7 @@
           <a:p>
             <a:fld id="{E769374C-7030-47EF-9C95-C080002EFD85}" type="datetimeFigureOut">
               <a:rPr lang="en-US" smtClean="0"/>
-              <a:t>11/1/2025</a:t>
+              <a:t>11/6/2025</a:t>
             </a:fld>
             <a:endParaRPr lang="en-US"/>
           </a:p>
@@ -668,7 +671,7 @@
           <a:p>
             <a:fld id="{E769374C-7030-47EF-9C95-C080002EFD85}" type="datetimeFigureOut">
               <a:rPr lang="en-US" smtClean="0"/>
-              <a:t>11/1/2025</a:t>
+              <a:t>11/6/2025</a:t>
             </a:fld>
             <a:endParaRPr lang="en-US"/>
           </a:p>
@@ -866,7 +869,7 @@
           <a:p>
             <a:fld id="{E769374C-7030-47EF-9C95-C080002EFD85}" type="datetimeFigureOut">
               <a:rPr lang="en-US" smtClean="0"/>
-              <a:t>11/1/2025</a:t>
+              <a:t>11/6/2025</a:t>
             </a:fld>
             <a:endParaRPr lang="en-US"/>
           </a:p>
@@ -1141,7 +1144,7 @@
           <a:p>
             <a:fld id="{E769374C-7030-47EF-9C95-C080002EFD85}" type="datetimeFigureOut">
               <a:rPr lang="en-US" smtClean="0"/>
-              <a:t>11/1/2025</a:t>
+              <a:t>11/6/2025</a:t>
             </a:fld>
             <a:endParaRPr lang="en-US"/>
           </a:p>
@@ -1406,7 +1409,7 @@
           <a:p>
             <a:fld id="{E769374C-7030-47EF-9C95-C080002EFD85}" type="datetimeFigureOut">
               <a:rPr lang="en-US" smtClean="0"/>
-              <a:t>11/1/2025</a:t>
+              <a:t>11/6/2025</a:t>
             </a:fld>
             <a:endParaRPr lang="en-US"/>
           </a:p>
@@ -1818,7 +1821,7 @@
           <a:p>
             <a:fld id="{E769374C-7030-47EF-9C95-C080002EFD85}" type="datetimeFigureOut">
               <a:rPr lang="en-US" smtClean="0"/>
-              <a:t>11/1/2025</a:t>
+              <a:t>11/6/2025</a:t>
             </a:fld>
             <a:endParaRPr lang="en-US"/>
           </a:p>
@@ -1959,7 +1962,7 @@
           <a:p>
             <a:fld id="{E769374C-7030-47EF-9C95-C080002EFD85}" type="datetimeFigureOut">
               <a:rPr lang="en-US" smtClean="0"/>
-              <a:t>11/1/2025</a:t>
+              <a:t>11/6/2025</a:t>
             </a:fld>
             <a:endParaRPr lang="en-US"/>
           </a:p>
@@ -2072,7 +2075,7 @@
           <a:p>
             <a:fld id="{E769374C-7030-47EF-9C95-C080002EFD85}" type="datetimeFigureOut">
               <a:rPr lang="en-US" smtClean="0"/>
-              <a:t>11/1/2025</a:t>
+              <a:t>11/6/2025</a:t>
             </a:fld>
             <a:endParaRPr lang="en-US"/>
           </a:p>
@@ -2383,7 +2386,7 @@
           <a:p>
             <a:fld id="{E769374C-7030-47EF-9C95-C080002EFD85}" type="datetimeFigureOut">
               <a:rPr lang="en-US" smtClean="0"/>
-              <a:t>11/1/2025</a:t>
+              <a:t>11/6/2025</a:t>
             </a:fld>
             <a:endParaRPr lang="en-US"/>
           </a:p>
@@ -2671,7 +2674,7 @@
           <a:p>
             <a:fld id="{E769374C-7030-47EF-9C95-C080002EFD85}" type="datetimeFigureOut">
               <a:rPr lang="en-US" smtClean="0"/>
-              <a:t>11/1/2025</a:t>
+              <a:t>11/6/2025</a:t>
             </a:fld>
             <a:endParaRPr lang="en-US"/>
           </a:p>
@@ -2912,7 +2915,7 @@
           <a:p>
             <a:fld id="{E769374C-7030-47EF-9C95-C080002EFD85}" type="datetimeFigureOut">
               <a:rPr lang="en-US" smtClean="0"/>
-              <a:t>11/1/2025</a:t>
+              <a:t>11/6/2025</a:t>
             </a:fld>
             <a:endParaRPr lang="en-US"/>
           </a:p>
@@ -3560,6 +3563,201 @@
 </p:sld>
 </file>
 
+<file path=ppt/slides/slide5.xml><?xml version="1.0" encoding="utf-8"?>
+<p:sld xmlns:a="http://schemas.openxmlformats.org/drawingml/2006/main" xmlns:r="http://schemas.openxmlformats.org/officeDocument/2006/relationships" xmlns:p="http://schemas.openxmlformats.org/presentationml/2006/main">
+  <p:cSld>
+    <p:spTree>
+      <p:nvGrpSpPr>
+        <p:cNvPr id="1" name=""/>
+        <p:cNvGrpSpPr/>
+        <p:nvPr/>
+      </p:nvGrpSpPr>
+      <p:grpSpPr>
+        <a:xfrm>
+          <a:off x="0" y="0"/>
+          <a:ext cx="0" cy="0"/>
+          <a:chOff x="0" y="0"/>
+          <a:chExt cx="0" cy="0"/>
+        </a:xfrm>
+      </p:grpSpPr>
+      <p:pic>
+        <p:nvPicPr>
+          <p:cNvPr id="5" name="Picture 4" descr="A close-up of a circle">
+            <a:extLst>
+              <a:ext uri="{FF2B5EF4-FFF2-40B4-BE49-F238E27FC236}">
+                <a16:creationId xmlns:a16="http://schemas.microsoft.com/office/drawing/2014/main" id="{EAD73E43-D465-CF4C-EEE8-42CEA81BC6AE}"/>
+              </a:ext>
+            </a:extLst>
+          </p:cNvPr>
+          <p:cNvPicPr>
+            <a:picLocks noChangeAspect="1"/>
+          </p:cNvPicPr>
+          <p:nvPr/>
+        </p:nvPicPr>
+        <p:blipFill rotWithShape="1">
+          <a:blip r:embed="rId2">
+            <a:extLst>
+              <a:ext uri="{28A0092B-C50C-407E-A947-70E740481C1C}">
+                <a14:useLocalDpi xmlns:a14="http://schemas.microsoft.com/office/drawing/2010/main" val="0"/>
+              </a:ext>
+            </a:extLst>
+          </a:blip>
+          <a:srcRect l="25890" t="6858" r="14471" b="4396"/>
+          <a:stretch/>
+        </p:blipFill>
+        <p:spPr>
+          <a:xfrm>
+            <a:off x="2460380" y="417634"/>
+            <a:ext cx="7271239" cy="6022731"/>
+          </a:xfrm>
+          <a:prstGeom prst="rect">
+            <a:avLst/>
+          </a:prstGeom>
+        </p:spPr>
+      </p:pic>
+    </p:spTree>
+    <p:extLst>
+      <p:ext uri="{BB962C8B-B14F-4D97-AF65-F5344CB8AC3E}">
+        <p14:creationId xmlns:p14="http://schemas.microsoft.com/office/powerpoint/2010/main" val="1164480168"/>
+      </p:ext>
+    </p:extLst>
+  </p:cSld>
+  <p:clrMapOvr>
+    <a:masterClrMapping/>
+  </p:clrMapOvr>
+</p:sld>
+</file>
+
+<file path=ppt/slides/slide6.xml><?xml version="1.0" encoding="utf-8"?>
+<p:sld xmlns:a="http://schemas.openxmlformats.org/drawingml/2006/main" xmlns:r="http://schemas.openxmlformats.org/officeDocument/2006/relationships" xmlns:p="http://schemas.openxmlformats.org/presentationml/2006/main">
+  <p:cSld>
+    <p:spTree>
+      <p:nvGrpSpPr>
+        <p:cNvPr id="1" name=""/>
+        <p:cNvGrpSpPr/>
+        <p:nvPr/>
+      </p:nvGrpSpPr>
+      <p:grpSpPr>
+        <a:xfrm>
+          <a:off x="0" y="0"/>
+          <a:ext cx="0" cy="0"/>
+          <a:chOff x="0" y="0"/>
+          <a:chExt cx="0" cy="0"/>
+        </a:xfrm>
+      </p:grpSpPr>
+      <p:pic>
+        <p:nvPicPr>
+          <p:cNvPr id="4" name="Picture 3" descr="A purple circle on a white background">
+            <a:extLst>
+              <a:ext uri="{FF2B5EF4-FFF2-40B4-BE49-F238E27FC236}">
+                <a16:creationId xmlns:a16="http://schemas.microsoft.com/office/drawing/2014/main" id="{E142D0A9-8CC5-13A4-BDCD-DBECED65AF71}"/>
+              </a:ext>
+            </a:extLst>
+          </p:cNvPr>
+          <p:cNvPicPr>
+            <a:picLocks noChangeAspect="1"/>
+          </p:cNvPicPr>
+          <p:nvPr/>
+        </p:nvPicPr>
+        <p:blipFill rotWithShape="1">
+          <a:blip r:embed="rId2">
+            <a:extLst>
+              <a:ext uri="{28A0092B-C50C-407E-A947-70E740481C1C}">
+                <a14:useLocalDpi xmlns:a14="http://schemas.microsoft.com/office/drawing/2010/main" val="0"/>
+              </a:ext>
+            </a:extLst>
+          </a:blip>
+          <a:srcRect l="26287" t="8117" r="13068" b="3808"/>
+          <a:stretch/>
+        </p:blipFill>
+        <p:spPr>
+          <a:xfrm>
+            <a:off x="2539511" y="553914"/>
+            <a:ext cx="7112977" cy="5750171"/>
+          </a:xfrm>
+          <a:prstGeom prst="rect">
+            <a:avLst/>
+          </a:prstGeom>
+        </p:spPr>
+      </p:pic>
+    </p:spTree>
+    <p:extLst>
+      <p:ext uri="{BB962C8B-B14F-4D97-AF65-F5344CB8AC3E}">
+        <p14:creationId xmlns:p14="http://schemas.microsoft.com/office/powerpoint/2010/main" val="3211308158"/>
+      </p:ext>
+    </p:extLst>
+  </p:cSld>
+  <p:clrMapOvr>
+    <a:masterClrMapping/>
+  </p:clrMapOvr>
+</p:sld>
+</file>
+
+<file path=ppt/slides/slide7.xml><?xml version="1.0" encoding="utf-8"?>
+<p:sld xmlns:a="http://schemas.openxmlformats.org/drawingml/2006/main" xmlns:r="http://schemas.openxmlformats.org/officeDocument/2006/relationships" xmlns:p="http://schemas.openxmlformats.org/presentationml/2006/main">
+  <p:cSld>
+    <p:spTree>
+      <p:nvGrpSpPr>
+        <p:cNvPr id="1" name=""/>
+        <p:cNvGrpSpPr/>
+        <p:nvPr/>
+      </p:nvGrpSpPr>
+      <p:grpSpPr>
+        <a:xfrm>
+          <a:off x="0" y="0"/>
+          <a:ext cx="0" cy="0"/>
+          <a:chOff x="0" y="0"/>
+          <a:chExt cx="0" cy="0"/>
+        </a:xfrm>
+      </p:grpSpPr>
+      <p:pic>
+        <p:nvPicPr>
+          <p:cNvPr id="5" name="Picture 4" descr="A green and blue pattern">
+            <a:extLst>
+              <a:ext uri="{FF2B5EF4-FFF2-40B4-BE49-F238E27FC236}">
+                <a16:creationId xmlns:a16="http://schemas.microsoft.com/office/drawing/2014/main" id="{7DCE7041-D5F4-4E66-9D47-5F35354E4FA5}"/>
+              </a:ext>
+            </a:extLst>
+          </p:cNvPr>
+          <p:cNvPicPr>
+            <a:picLocks noChangeAspect="1"/>
+          </p:cNvPicPr>
+          <p:nvPr/>
+        </p:nvPicPr>
+        <p:blipFill rotWithShape="1">
+          <a:blip r:embed="rId2">
+            <a:extLst>
+              <a:ext uri="{28A0092B-C50C-407E-A947-70E740481C1C}">
+                <a14:useLocalDpi xmlns:a14="http://schemas.microsoft.com/office/drawing/2010/main" val="0"/>
+              </a:ext>
+            </a:extLst>
+          </a:blip>
+          <a:srcRect l="26755" t="7248" r="15337" b="4785"/>
+          <a:stretch/>
+        </p:blipFill>
+        <p:spPr>
+          <a:xfrm>
+            <a:off x="2565888" y="444011"/>
+            <a:ext cx="7060223" cy="5969977"/>
+          </a:xfrm>
+          <a:prstGeom prst="rect">
+            <a:avLst/>
+          </a:prstGeom>
+        </p:spPr>
+      </p:pic>
+    </p:spTree>
+    <p:extLst>
+      <p:ext uri="{BB962C8B-B14F-4D97-AF65-F5344CB8AC3E}">
+        <p14:creationId xmlns:p14="http://schemas.microsoft.com/office/powerpoint/2010/main" val="1310933556"/>
+      </p:ext>
+    </p:extLst>
+  </p:cSld>
+  <p:clrMapOvr>
+    <a:masterClrMapping/>
+  </p:clrMapOvr>
+</p:sld>
+</file>
+
 <file path=ppt/theme/theme1.xml><?xml version="1.0" encoding="utf-8"?>
 <a:theme xmlns:a="http://schemas.openxmlformats.org/drawingml/2006/main" name="Office Theme">
   <a:themeElements>

--- a/Fourier_Optics_Report_Fall_2025/Images.pptx
+++ b/Fourier_Optics_Report_Fall_2025/Images.pptx
@@ -12,6 +12,7 @@
     <p:sldId id="260" r:id="rId6"/>
     <p:sldId id="261" r:id="rId7"/>
     <p:sldId id="262" r:id="rId8"/>
+    <p:sldId id="263" r:id="rId9"/>
   </p:sldIdLst>
   <p:sldSz cx="12192000" cy="6858000"/>
   <p:notesSz cx="6858000" cy="9144000"/>
@@ -118,6 +119,43 @@
 </p:presentation>
 </file>
 
+<file path=ppt/changesInfos/changesInfo1.xml><?xml version="1.0" encoding="utf-8"?>
+<pc:chgInfo xmlns:a="http://schemas.openxmlformats.org/drawingml/2006/main" xmlns:r="http://schemas.openxmlformats.org/officeDocument/2006/relationships" xmlns:ac="http://schemas.microsoft.com/office/drawing/2013/main/command" xmlns:pc="http://schemas.microsoft.com/office/powerpoint/2013/main/command">
+  <pc:docChgLst>
+    <pc:chgData name="Leonello Castro Cillis" userId="e91e590b2b0fb063" providerId="LiveId" clId="{701DADFD-E51C-4F03-8684-27D996400E9F}"/>
+    <pc:docChg chg="custSel addSld modSld">
+      <pc:chgData name="Leonello Castro Cillis" userId="e91e590b2b0fb063" providerId="LiveId" clId="{701DADFD-E51C-4F03-8684-27D996400E9F}" dt="2025-11-09T22:58:09.677" v="2" actId="478"/>
+      <pc:docMkLst>
+        <pc:docMk/>
+      </pc:docMkLst>
+      <pc:sldChg chg="delSp new mod">
+        <pc:chgData name="Leonello Castro Cillis" userId="e91e590b2b0fb063" providerId="LiveId" clId="{701DADFD-E51C-4F03-8684-27D996400E9F}" dt="2025-11-09T22:58:09.677" v="2" actId="478"/>
+        <pc:sldMkLst>
+          <pc:docMk/>
+          <pc:sldMk cId="3141622673" sldId="263"/>
+        </pc:sldMkLst>
+        <pc:spChg chg="del">
+          <ac:chgData name="Leonello Castro Cillis" userId="e91e590b2b0fb063" providerId="LiveId" clId="{701DADFD-E51C-4F03-8684-27D996400E9F}" dt="2025-11-09T22:58:09.677" v="2" actId="478"/>
+          <ac:spMkLst>
+            <pc:docMk/>
+            <pc:sldMk cId="3141622673" sldId="263"/>
+            <ac:spMk id="2" creationId="{E09568F8-061D-8735-4E5F-CD1F36F7699E}"/>
+          </ac:spMkLst>
+        </pc:spChg>
+        <pc:spChg chg="del">
+          <ac:chgData name="Leonello Castro Cillis" userId="e91e590b2b0fb063" providerId="LiveId" clId="{701DADFD-E51C-4F03-8684-27D996400E9F}" dt="2025-11-09T22:58:07.343" v="1" actId="478"/>
+          <ac:spMkLst>
+            <pc:docMk/>
+            <pc:sldMk cId="3141622673" sldId="263"/>
+            <ac:spMk id="3" creationId="{D19F43A5-9C08-845F-194F-899DEB1AC455}"/>
+          </ac:spMkLst>
+        </pc:spChg>
+      </pc:sldChg>
+    </pc:docChg>
+  </pc:docChgLst>
+</pc:chgInfo>
+</file>
+
 <file path=ppt/slideLayouts/slideLayout1.xml><?xml version="1.0" encoding="utf-8"?>
 <p:sldLayout xmlns:a="http://schemas.openxmlformats.org/drawingml/2006/main" xmlns:r="http://schemas.openxmlformats.org/officeDocument/2006/relationships" xmlns:p="http://schemas.openxmlformats.org/presentationml/2006/main" type="title" preserve="1">
   <p:cSld name="Title Slide">
@@ -265,7 +303,7 @@
           <a:p>
             <a:fld id="{E769374C-7030-47EF-9C95-C080002EFD85}" type="datetimeFigureOut">
               <a:rPr lang="en-US" smtClean="0"/>
-              <a:t>11/6/2025</a:t>
+              <a:t>11/9/2025</a:t>
             </a:fld>
             <a:endParaRPr lang="en-US"/>
           </a:p>
@@ -463,7 +501,7 @@
           <a:p>
             <a:fld id="{E769374C-7030-47EF-9C95-C080002EFD85}" type="datetimeFigureOut">
               <a:rPr lang="en-US" smtClean="0"/>
-              <a:t>11/6/2025</a:t>
+              <a:t>11/9/2025</a:t>
             </a:fld>
             <a:endParaRPr lang="en-US"/>
           </a:p>
@@ -671,7 +709,7 @@
           <a:p>
             <a:fld id="{E769374C-7030-47EF-9C95-C080002EFD85}" type="datetimeFigureOut">
               <a:rPr lang="en-US" smtClean="0"/>
-              <a:t>11/6/2025</a:t>
+              <a:t>11/9/2025</a:t>
             </a:fld>
             <a:endParaRPr lang="en-US"/>
           </a:p>
@@ -869,7 +907,7 @@
           <a:p>
             <a:fld id="{E769374C-7030-47EF-9C95-C080002EFD85}" type="datetimeFigureOut">
               <a:rPr lang="en-US" smtClean="0"/>
-              <a:t>11/6/2025</a:t>
+              <a:t>11/9/2025</a:t>
             </a:fld>
             <a:endParaRPr lang="en-US"/>
           </a:p>
@@ -1144,7 +1182,7 @@
           <a:p>
             <a:fld id="{E769374C-7030-47EF-9C95-C080002EFD85}" type="datetimeFigureOut">
               <a:rPr lang="en-US" smtClean="0"/>
-              <a:t>11/6/2025</a:t>
+              <a:t>11/9/2025</a:t>
             </a:fld>
             <a:endParaRPr lang="en-US"/>
           </a:p>
@@ -1409,7 +1447,7 @@
           <a:p>
             <a:fld id="{E769374C-7030-47EF-9C95-C080002EFD85}" type="datetimeFigureOut">
               <a:rPr lang="en-US" smtClean="0"/>
-              <a:t>11/6/2025</a:t>
+              <a:t>11/9/2025</a:t>
             </a:fld>
             <a:endParaRPr lang="en-US"/>
           </a:p>
@@ -1821,7 +1859,7 @@
           <a:p>
             <a:fld id="{E769374C-7030-47EF-9C95-C080002EFD85}" type="datetimeFigureOut">
               <a:rPr lang="en-US" smtClean="0"/>
-              <a:t>11/6/2025</a:t>
+              <a:t>11/9/2025</a:t>
             </a:fld>
             <a:endParaRPr lang="en-US"/>
           </a:p>
@@ -1962,7 +2000,7 @@
           <a:p>
             <a:fld id="{E769374C-7030-47EF-9C95-C080002EFD85}" type="datetimeFigureOut">
               <a:rPr lang="en-US" smtClean="0"/>
-              <a:t>11/6/2025</a:t>
+              <a:t>11/9/2025</a:t>
             </a:fld>
             <a:endParaRPr lang="en-US"/>
           </a:p>
@@ -2075,7 +2113,7 @@
           <a:p>
             <a:fld id="{E769374C-7030-47EF-9C95-C080002EFD85}" type="datetimeFigureOut">
               <a:rPr lang="en-US" smtClean="0"/>
-              <a:t>11/6/2025</a:t>
+              <a:t>11/9/2025</a:t>
             </a:fld>
             <a:endParaRPr lang="en-US"/>
           </a:p>
@@ -2386,7 +2424,7 @@
           <a:p>
             <a:fld id="{E769374C-7030-47EF-9C95-C080002EFD85}" type="datetimeFigureOut">
               <a:rPr lang="en-US" smtClean="0"/>
-              <a:t>11/6/2025</a:t>
+              <a:t>11/9/2025</a:t>
             </a:fld>
             <a:endParaRPr lang="en-US"/>
           </a:p>
@@ -2674,7 +2712,7 @@
           <a:p>
             <a:fld id="{E769374C-7030-47EF-9C95-C080002EFD85}" type="datetimeFigureOut">
               <a:rPr lang="en-US" smtClean="0"/>
-              <a:t>11/6/2025</a:t>
+              <a:t>11/9/2025</a:t>
             </a:fld>
             <a:endParaRPr lang="en-US"/>
           </a:p>
@@ -2915,7 +2953,7 @@
           <a:p>
             <a:fld id="{E769374C-7030-47EF-9C95-C080002EFD85}" type="datetimeFigureOut">
               <a:rPr lang="en-US" smtClean="0"/>
-              <a:t>11/6/2025</a:t>
+              <a:t>11/9/2025</a:t>
             </a:fld>
             <a:endParaRPr lang="en-US"/>
           </a:p>
@@ -3758,6 +3796,36 @@
 </p:sld>
 </file>
 
+<file path=ppt/slides/slide8.xml><?xml version="1.0" encoding="utf-8"?>
+<p:sld xmlns:a="http://schemas.openxmlformats.org/drawingml/2006/main" xmlns:r="http://schemas.openxmlformats.org/officeDocument/2006/relationships" xmlns:p="http://schemas.openxmlformats.org/presentationml/2006/main">
+  <p:cSld>
+    <p:spTree>
+      <p:nvGrpSpPr>
+        <p:cNvPr id="1" name=""/>
+        <p:cNvGrpSpPr/>
+        <p:nvPr/>
+      </p:nvGrpSpPr>
+      <p:grpSpPr>
+        <a:xfrm>
+          <a:off x="0" y="0"/>
+          <a:ext cx="0" cy="0"/>
+          <a:chOff x="0" y="0"/>
+          <a:chExt cx="0" cy="0"/>
+        </a:xfrm>
+      </p:grpSpPr>
+    </p:spTree>
+    <p:extLst>
+      <p:ext uri="{BB962C8B-B14F-4D97-AF65-F5344CB8AC3E}">
+        <p14:creationId xmlns:p14="http://schemas.microsoft.com/office/powerpoint/2010/main" val="3141622673"/>
+      </p:ext>
+    </p:extLst>
+  </p:cSld>
+  <p:clrMapOvr>
+    <a:masterClrMapping/>
+  </p:clrMapOvr>
+</p:sld>
+</file>
+
 <file path=ppt/theme/theme1.xml><?xml version="1.0" encoding="utf-8"?>
 <a:theme xmlns:a="http://schemas.openxmlformats.org/drawingml/2006/main" name="Office Theme">
   <a:themeElements>

--- a/Fourier_Optics_Report_Fall_2025/Images.pptx
+++ b/Fourier_Optics_Report_Fall_2025/Images.pptx
@@ -119,17 +119,25 @@
 </p:presentation>
 </file>
 
+<file path=ppt/revisionInfo.xml><?xml version="1.0" encoding="utf-8"?>
+<p1510:revInfo xmlns:a="http://schemas.openxmlformats.org/drawingml/2006/main" xmlns:r="http://schemas.openxmlformats.org/officeDocument/2006/relationships" xmlns:p1510="http://schemas.microsoft.com/office/powerpoint/2015/10/main">
+  <p1510:revLst>
+    <p1510:client id="{CEE84D4B-2963-40DF-822C-E26EBDBC8594}" v="1" dt="2025-11-09T23:11:44.409"/>
+  </p1510:revLst>
+</p1510:revInfo>
+</file>
+
 <file path=ppt/changesInfos/changesInfo1.xml><?xml version="1.0" encoding="utf-8"?>
 <pc:chgInfo xmlns:a="http://schemas.openxmlformats.org/drawingml/2006/main" xmlns:r="http://schemas.openxmlformats.org/officeDocument/2006/relationships" xmlns:ac="http://schemas.microsoft.com/office/drawing/2013/main/command" xmlns:pc="http://schemas.microsoft.com/office/powerpoint/2013/main/command">
   <pc:docChgLst>
     <pc:chgData name="Leonello Castro Cillis" userId="e91e590b2b0fb063" providerId="LiveId" clId="{701DADFD-E51C-4F03-8684-27D996400E9F}"/>
     <pc:docChg chg="custSel addSld modSld">
-      <pc:chgData name="Leonello Castro Cillis" userId="e91e590b2b0fb063" providerId="LiveId" clId="{701DADFD-E51C-4F03-8684-27D996400E9F}" dt="2025-11-09T22:58:09.677" v="2" actId="478"/>
+      <pc:chgData name="Leonello Castro Cillis" userId="e91e590b2b0fb063" providerId="LiveId" clId="{701DADFD-E51C-4F03-8684-27D996400E9F}" dt="2025-11-09T23:12:14.576" v="12" actId="1076"/>
       <pc:docMkLst>
         <pc:docMk/>
       </pc:docMkLst>
-      <pc:sldChg chg="delSp new mod">
-        <pc:chgData name="Leonello Castro Cillis" userId="e91e590b2b0fb063" providerId="LiveId" clId="{701DADFD-E51C-4F03-8684-27D996400E9F}" dt="2025-11-09T22:58:09.677" v="2" actId="478"/>
+      <pc:sldChg chg="addSp delSp modSp new mod">
+        <pc:chgData name="Leonello Castro Cillis" userId="e91e590b2b0fb063" providerId="LiveId" clId="{701DADFD-E51C-4F03-8684-27D996400E9F}" dt="2025-11-09T23:12:14.576" v="12" actId="1076"/>
         <pc:sldMkLst>
           <pc:docMk/>
           <pc:sldMk cId="3141622673" sldId="263"/>
@@ -150,6 +158,14 @@
             <ac:spMk id="3" creationId="{D19F43A5-9C08-845F-194F-899DEB1AC455}"/>
           </ac:spMkLst>
         </pc:spChg>
+        <pc:picChg chg="add mod modCrop">
+          <ac:chgData name="Leonello Castro Cillis" userId="e91e590b2b0fb063" providerId="LiveId" clId="{701DADFD-E51C-4F03-8684-27D996400E9F}" dt="2025-11-09T23:12:14.576" v="12" actId="1076"/>
+          <ac:picMkLst>
+            <pc:docMk/>
+            <pc:sldMk cId="3141622673" sldId="263"/>
+            <ac:picMk id="3" creationId="{CBFDB355-7C2D-9D7B-877B-0DDFE6099C90}"/>
+          </ac:picMkLst>
+        </pc:picChg>
       </pc:sldChg>
     </pc:docChg>
   </pc:docChgLst>
@@ -3813,6 +3829,43 @@
           <a:chExt cx="0" cy="0"/>
         </a:xfrm>
       </p:grpSpPr>
+      <p:pic>
+        <p:nvPicPr>
+          <p:cNvPr id="3" name="Picture 2" descr="A black and white hexagon pattern">
+            <a:extLst>
+              <a:ext uri="{FF2B5EF4-FFF2-40B4-BE49-F238E27FC236}">
+                <a16:creationId xmlns:a16="http://schemas.microsoft.com/office/drawing/2014/main" id="{CBFDB355-7C2D-9D7B-877B-0DDFE6099C90}"/>
+              </a:ext>
+            </a:extLst>
+          </p:cNvPr>
+          <p:cNvPicPr>
+            <a:picLocks noChangeAspect="1"/>
+          </p:cNvPicPr>
+          <p:nvPr/>
+        </p:nvPicPr>
+        <p:blipFill>
+          <a:blip r:embed="rId2">
+            <a:extLst>
+              <a:ext uri="{28A0092B-C50C-407E-A947-70E740481C1C}">
+                <a14:useLocalDpi xmlns:a14="http://schemas.microsoft.com/office/drawing/2010/main" val="0"/>
+              </a:ext>
+            </a:extLst>
+          </a:blip>
+          <a:srcRect l="30450" t="8751" r="16525" b="4432"/>
+          <a:stretch>
+            <a:fillRect/>
+          </a:stretch>
+        </p:blipFill>
+        <p:spPr>
+          <a:xfrm>
+            <a:off x="2863596" y="763524"/>
+            <a:ext cx="6464808" cy="5330952"/>
+          </a:xfrm>
+          <a:prstGeom prst="rect">
+            <a:avLst/>
+          </a:prstGeom>
+        </p:spPr>
+      </p:pic>
     </p:spTree>
     <p:extLst>
       <p:ext uri="{BB962C8B-B14F-4D97-AF65-F5344CB8AC3E}">

--- a/Fourier_Optics_Report_Fall_2025/Images.pptx
+++ b/Fourier_Optics_Report_Fall_2025/Images.pptx
@@ -13,6 +13,9 @@
     <p:sldId id="261" r:id="rId7"/>
     <p:sldId id="262" r:id="rId8"/>
     <p:sldId id="263" r:id="rId9"/>
+    <p:sldId id="264" r:id="rId10"/>
+    <p:sldId id="265" r:id="rId11"/>
+    <p:sldId id="266" r:id="rId12"/>
   </p:sldIdLst>
   <p:sldSz cx="12192000" cy="6858000"/>
   <p:notesSz cx="6858000" cy="9144000"/>
@@ -122,7 +125,7 @@
 <file path=ppt/revisionInfo.xml><?xml version="1.0" encoding="utf-8"?>
 <p1510:revInfo xmlns:a="http://schemas.openxmlformats.org/drawingml/2006/main" xmlns:r="http://schemas.openxmlformats.org/officeDocument/2006/relationships" xmlns:p1510="http://schemas.microsoft.com/office/powerpoint/2015/10/main">
   <p1510:revLst>
-    <p1510:client id="{CEE84D4B-2963-40DF-822C-E26EBDBC8594}" v="1" dt="2025-11-09T23:11:44.409"/>
+    <p1510:client id="{CEE84D4B-2963-40DF-822C-E26EBDBC8594}" v="9" dt="2025-11-12T00:20:17.504"/>
   </p1510:revLst>
 </p1510:revInfo>
 </file>
@@ -131,8 +134,8 @@
 <pc:chgInfo xmlns:a="http://schemas.openxmlformats.org/drawingml/2006/main" xmlns:r="http://schemas.openxmlformats.org/officeDocument/2006/relationships" xmlns:ac="http://schemas.microsoft.com/office/drawing/2013/main/command" xmlns:pc="http://schemas.microsoft.com/office/powerpoint/2013/main/command">
   <pc:docChgLst>
     <pc:chgData name="Leonello Castro Cillis" userId="e91e590b2b0fb063" providerId="LiveId" clId="{701DADFD-E51C-4F03-8684-27D996400E9F}"/>
-    <pc:docChg chg="custSel addSld modSld">
-      <pc:chgData name="Leonello Castro Cillis" userId="e91e590b2b0fb063" providerId="LiveId" clId="{701DADFD-E51C-4F03-8684-27D996400E9F}" dt="2025-11-09T23:12:14.576" v="12" actId="1076"/>
+    <pc:docChg chg="undo custSel addSld modSld">
+      <pc:chgData name="Leonello Castro Cillis" userId="e91e590b2b0fb063" providerId="LiveId" clId="{701DADFD-E51C-4F03-8684-27D996400E9F}" dt="2025-11-12T00:21:07.924" v="99" actId="1076"/>
       <pc:docMkLst>
         <pc:docMk/>
       </pc:docMkLst>
@@ -142,28 +145,145 @@
           <pc:docMk/>
           <pc:sldMk cId="3141622673" sldId="263"/>
         </pc:sldMkLst>
-        <pc:spChg chg="del">
-          <ac:chgData name="Leonello Castro Cillis" userId="e91e590b2b0fb063" providerId="LiveId" clId="{701DADFD-E51C-4F03-8684-27D996400E9F}" dt="2025-11-09T22:58:09.677" v="2" actId="478"/>
-          <ac:spMkLst>
-            <pc:docMk/>
-            <pc:sldMk cId="3141622673" sldId="263"/>
-            <ac:spMk id="2" creationId="{E09568F8-061D-8735-4E5F-CD1F36F7699E}"/>
-          </ac:spMkLst>
-        </pc:spChg>
-        <pc:spChg chg="del">
-          <ac:chgData name="Leonello Castro Cillis" userId="e91e590b2b0fb063" providerId="LiveId" clId="{701DADFD-E51C-4F03-8684-27D996400E9F}" dt="2025-11-09T22:58:07.343" v="1" actId="478"/>
-          <ac:spMkLst>
-            <pc:docMk/>
-            <pc:sldMk cId="3141622673" sldId="263"/>
-            <ac:spMk id="3" creationId="{D19F43A5-9C08-845F-194F-899DEB1AC455}"/>
-          </ac:spMkLst>
-        </pc:spChg>
         <pc:picChg chg="add mod modCrop">
           <ac:chgData name="Leonello Castro Cillis" userId="e91e590b2b0fb063" providerId="LiveId" clId="{701DADFD-E51C-4F03-8684-27D996400E9F}" dt="2025-11-09T23:12:14.576" v="12" actId="1076"/>
           <ac:picMkLst>
             <pc:docMk/>
             <pc:sldMk cId="3141622673" sldId="263"/>
             <ac:picMk id="3" creationId="{CBFDB355-7C2D-9D7B-877B-0DDFE6099C90}"/>
+          </ac:picMkLst>
+        </pc:picChg>
+      </pc:sldChg>
+      <pc:sldChg chg="addSp delSp modSp new mod">
+        <pc:chgData name="Leonello Castro Cillis" userId="e91e590b2b0fb063" providerId="LiveId" clId="{701DADFD-E51C-4F03-8684-27D996400E9F}" dt="2025-11-11T21:32:54.721" v="33" actId="1076"/>
+        <pc:sldMkLst>
+          <pc:docMk/>
+          <pc:sldMk cId="645188899" sldId="264"/>
+        </pc:sldMkLst>
+        <pc:spChg chg="del">
+          <ac:chgData name="Leonello Castro Cillis" userId="e91e590b2b0fb063" providerId="LiveId" clId="{701DADFD-E51C-4F03-8684-27D996400E9F}" dt="2025-11-11T21:23:42.529" v="14" actId="478"/>
+          <ac:spMkLst>
+            <pc:docMk/>
+            <pc:sldMk cId="645188899" sldId="264"/>
+            <ac:spMk id="2" creationId="{5B0BE39E-04D3-2592-1221-0E835310E5C1}"/>
+          </ac:spMkLst>
+        </pc:spChg>
+        <pc:spChg chg="del mod">
+          <ac:chgData name="Leonello Castro Cillis" userId="e91e590b2b0fb063" providerId="LiveId" clId="{701DADFD-E51C-4F03-8684-27D996400E9F}" dt="2025-11-11T21:23:49.216" v="16" actId="478"/>
+          <ac:spMkLst>
+            <pc:docMk/>
+            <pc:sldMk cId="645188899" sldId="264"/>
+            <ac:spMk id="3" creationId="{F03248B5-E4CE-2F8C-E52A-492E4B0B66C2}"/>
+          </ac:spMkLst>
+        </pc:spChg>
+        <pc:picChg chg="add del mod modCrop">
+          <ac:chgData name="Leonello Castro Cillis" userId="e91e590b2b0fb063" providerId="LiveId" clId="{701DADFD-E51C-4F03-8684-27D996400E9F}" dt="2025-11-11T21:32:25.503" v="26" actId="478"/>
+          <ac:picMkLst>
+            <pc:docMk/>
+            <pc:sldMk cId="645188899" sldId="264"/>
+            <ac:picMk id="5" creationId="{6F2C2518-4D04-217B-671A-E8D6D0B21B67}"/>
+          </ac:picMkLst>
+        </pc:picChg>
+        <pc:picChg chg="add mod modCrop">
+          <ac:chgData name="Leonello Castro Cillis" userId="e91e590b2b0fb063" providerId="LiveId" clId="{701DADFD-E51C-4F03-8684-27D996400E9F}" dt="2025-11-11T21:32:54.721" v="33" actId="1076"/>
+          <ac:picMkLst>
+            <pc:docMk/>
+            <pc:sldMk cId="645188899" sldId="264"/>
+            <ac:picMk id="7" creationId="{BD5F7C19-B9F9-4BC9-B577-A048B230BE2C}"/>
+          </ac:picMkLst>
+        </pc:picChg>
+      </pc:sldChg>
+      <pc:sldChg chg="addSp delSp modSp new mod">
+        <pc:chgData name="Leonello Castro Cillis" userId="e91e590b2b0fb063" providerId="LiveId" clId="{701DADFD-E51C-4F03-8684-27D996400E9F}" dt="2025-11-12T00:21:07.924" v="99" actId="1076"/>
+        <pc:sldMkLst>
+          <pc:docMk/>
+          <pc:sldMk cId="4212168836" sldId="265"/>
+        </pc:sldMkLst>
+        <pc:spChg chg="del">
+          <ac:chgData name="Leonello Castro Cillis" userId="e91e590b2b0fb063" providerId="LiveId" clId="{701DADFD-E51C-4F03-8684-27D996400E9F}" dt="2025-11-11T21:42:54.784" v="36" actId="478"/>
+          <ac:spMkLst>
+            <pc:docMk/>
+            <pc:sldMk cId="4212168836" sldId="265"/>
+            <ac:spMk id="2" creationId="{26DC5A8D-7FC4-AF5B-37C0-1C38341F6BB6}"/>
+          </ac:spMkLst>
+        </pc:spChg>
+        <pc:spChg chg="del">
+          <ac:chgData name="Leonello Castro Cillis" userId="e91e590b2b0fb063" providerId="LiveId" clId="{701DADFD-E51C-4F03-8684-27D996400E9F}" dt="2025-11-11T21:42:51.396" v="35" actId="478"/>
+          <ac:spMkLst>
+            <pc:docMk/>
+            <pc:sldMk cId="4212168836" sldId="265"/>
+            <ac:spMk id="3" creationId="{4ED4F65D-5687-77D4-71C9-915B103A5351}"/>
+          </ac:spMkLst>
+        </pc:spChg>
+        <pc:picChg chg="add del mod modCrop">
+          <ac:chgData name="Leonello Castro Cillis" userId="e91e590b2b0fb063" providerId="LiveId" clId="{701DADFD-E51C-4F03-8684-27D996400E9F}" dt="2025-11-11T22:21:02.832" v="59" actId="478"/>
+          <ac:picMkLst>
+            <pc:docMk/>
+            <pc:sldMk cId="4212168836" sldId="265"/>
+            <ac:picMk id="5" creationId="{71141ED2-C477-8CC7-9C71-52478A98A2B8}"/>
+          </ac:picMkLst>
+        </pc:picChg>
+        <pc:picChg chg="add del mod modCrop">
+          <ac:chgData name="Leonello Castro Cillis" userId="e91e590b2b0fb063" providerId="LiveId" clId="{701DADFD-E51C-4F03-8684-27D996400E9F}" dt="2025-11-12T00:19:16.248" v="81" actId="478"/>
+          <ac:picMkLst>
+            <pc:docMk/>
+            <pc:sldMk cId="4212168836" sldId="265"/>
+            <ac:picMk id="7" creationId="{75DCB874-C001-A237-9696-3B9F1480F336}"/>
+          </ac:picMkLst>
+        </pc:picChg>
+        <pc:picChg chg="add mod modCrop">
+          <ac:chgData name="Leonello Castro Cillis" userId="e91e590b2b0fb063" providerId="LiveId" clId="{701DADFD-E51C-4F03-8684-27D996400E9F}" dt="2025-11-12T00:21:07.924" v="99" actId="1076"/>
+          <ac:picMkLst>
+            <pc:docMk/>
+            <pc:sldMk cId="4212168836" sldId="265"/>
+            <ac:picMk id="9" creationId="{CC8E2CAE-CF14-1B6C-C392-68AC7FB94B03}"/>
+          </ac:picMkLst>
+        </pc:picChg>
+      </pc:sldChg>
+      <pc:sldChg chg="addSp delSp modSp new mod">
+        <pc:chgData name="Leonello Castro Cillis" userId="e91e590b2b0fb063" providerId="LiveId" clId="{701DADFD-E51C-4F03-8684-27D996400E9F}" dt="2025-11-12T00:20:47.189" v="95" actId="1076"/>
+        <pc:sldMkLst>
+          <pc:docMk/>
+          <pc:sldMk cId="2100605232" sldId="266"/>
+        </pc:sldMkLst>
+        <pc:spChg chg="del">
+          <ac:chgData name="Leonello Castro Cillis" userId="e91e590b2b0fb063" providerId="LiveId" clId="{701DADFD-E51C-4F03-8684-27D996400E9F}" dt="2025-11-11T21:43:08.761" v="40" actId="478"/>
+          <ac:spMkLst>
+            <pc:docMk/>
+            <pc:sldMk cId="2100605232" sldId="266"/>
+            <ac:spMk id="2" creationId="{7FBD181F-0D12-A797-E81B-5B8477D17FAC}"/>
+          </ac:spMkLst>
+        </pc:spChg>
+        <pc:spChg chg="del">
+          <ac:chgData name="Leonello Castro Cillis" userId="e91e590b2b0fb063" providerId="LiveId" clId="{701DADFD-E51C-4F03-8684-27D996400E9F}" dt="2025-11-11T21:43:09.869" v="41" actId="478"/>
+          <ac:spMkLst>
+            <pc:docMk/>
+            <pc:sldMk cId="2100605232" sldId="266"/>
+            <ac:spMk id="3" creationId="{63C2736A-42AB-EF28-433E-B165960B91AF}"/>
+          </ac:spMkLst>
+        </pc:spChg>
+        <pc:picChg chg="add del mod modCrop">
+          <ac:chgData name="Leonello Castro Cillis" userId="e91e590b2b0fb063" providerId="LiveId" clId="{701DADFD-E51C-4F03-8684-27D996400E9F}" dt="2025-11-11T22:21:47.239" v="69" actId="478"/>
+          <ac:picMkLst>
+            <pc:docMk/>
+            <pc:sldMk cId="2100605232" sldId="266"/>
+            <ac:picMk id="5" creationId="{8F70FF34-97E0-6D2B-E15F-2BC5A7DD0809}"/>
+          </ac:picMkLst>
+        </pc:picChg>
+        <pc:picChg chg="add del mod modCrop">
+          <ac:chgData name="Leonello Castro Cillis" userId="e91e590b2b0fb063" providerId="LiveId" clId="{701DADFD-E51C-4F03-8684-27D996400E9F}" dt="2025-11-12T00:20:11.122" v="85" actId="478"/>
+          <ac:picMkLst>
+            <pc:docMk/>
+            <pc:sldMk cId="2100605232" sldId="266"/>
+            <ac:picMk id="7" creationId="{D16BCE3E-7F9C-23E4-ABFD-4647EE2AC51D}"/>
+          </ac:picMkLst>
+        </pc:picChg>
+        <pc:picChg chg="add mod modCrop">
+          <ac:chgData name="Leonello Castro Cillis" userId="e91e590b2b0fb063" providerId="LiveId" clId="{701DADFD-E51C-4F03-8684-27D996400E9F}" dt="2025-11-12T00:20:47.189" v="95" actId="1076"/>
+          <ac:picMkLst>
+            <pc:docMk/>
+            <pc:sldMk cId="2100605232" sldId="266"/>
+            <ac:picMk id="9" creationId="{C3D32205-B01D-3AA9-9ABC-E2FD47ECEE62}"/>
           </ac:picMkLst>
         </pc:picChg>
       </pc:sldChg>
@@ -319,7 +439,7 @@
           <a:p>
             <a:fld id="{E769374C-7030-47EF-9C95-C080002EFD85}" type="datetimeFigureOut">
               <a:rPr lang="en-US" smtClean="0"/>
-              <a:t>11/9/2025</a:t>
+              <a:t>11/11/2025</a:t>
             </a:fld>
             <a:endParaRPr lang="en-US"/>
           </a:p>
@@ -517,7 +637,7 @@
           <a:p>
             <a:fld id="{E769374C-7030-47EF-9C95-C080002EFD85}" type="datetimeFigureOut">
               <a:rPr lang="en-US" smtClean="0"/>
-              <a:t>11/9/2025</a:t>
+              <a:t>11/11/2025</a:t>
             </a:fld>
             <a:endParaRPr lang="en-US"/>
           </a:p>
@@ -725,7 +845,7 @@
           <a:p>
             <a:fld id="{E769374C-7030-47EF-9C95-C080002EFD85}" type="datetimeFigureOut">
               <a:rPr lang="en-US" smtClean="0"/>
-              <a:t>11/9/2025</a:t>
+              <a:t>11/11/2025</a:t>
             </a:fld>
             <a:endParaRPr lang="en-US"/>
           </a:p>
@@ -923,7 +1043,7 @@
           <a:p>
             <a:fld id="{E769374C-7030-47EF-9C95-C080002EFD85}" type="datetimeFigureOut">
               <a:rPr lang="en-US" smtClean="0"/>
-              <a:t>11/9/2025</a:t>
+              <a:t>11/11/2025</a:t>
             </a:fld>
             <a:endParaRPr lang="en-US"/>
           </a:p>
@@ -1198,7 +1318,7 @@
           <a:p>
             <a:fld id="{E769374C-7030-47EF-9C95-C080002EFD85}" type="datetimeFigureOut">
               <a:rPr lang="en-US" smtClean="0"/>
-              <a:t>11/9/2025</a:t>
+              <a:t>11/11/2025</a:t>
             </a:fld>
             <a:endParaRPr lang="en-US"/>
           </a:p>
@@ -1463,7 +1583,7 @@
           <a:p>
             <a:fld id="{E769374C-7030-47EF-9C95-C080002EFD85}" type="datetimeFigureOut">
               <a:rPr lang="en-US" smtClean="0"/>
-              <a:t>11/9/2025</a:t>
+              <a:t>11/11/2025</a:t>
             </a:fld>
             <a:endParaRPr lang="en-US"/>
           </a:p>
@@ -1875,7 +1995,7 @@
           <a:p>
             <a:fld id="{E769374C-7030-47EF-9C95-C080002EFD85}" type="datetimeFigureOut">
               <a:rPr lang="en-US" smtClean="0"/>
-              <a:t>11/9/2025</a:t>
+              <a:t>11/11/2025</a:t>
             </a:fld>
             <a:endParaRPr lang="en-US"/>
           </a:p>
@@ -2016,7 +2136,7 @@
           <a:p>
             <a:fld id="{E769374C-7030-47EF-9C95-C080002EFD85}" type="datetimeFigureOut">
               <a:rPr lang="en-US" smtClean="0"/>
-              <a:t>11/9/2025</a:t>
+              <a:t>11/11/2025</a:t>
             </a:fld>
             <a:endParaRPr lang="en-US"/>
           </a:p>
@@ -2129,7 +2249,7 @@
           <a:p>
             <a:fld id="{E769374C-7030-47EF-9C95-C080002EFD85}" type="datetimeFigureOut">
               <a:rPr lang="en-US" smtClean="0"/>
-              <a:t>11/9/2025</a:t>
+              <a:t>11/11/2025</a:t>
             </a:fld>
             <a:endParaRPr lang="en-US"/>
           </a:p>
@@ -2440,7 +2560,7 @@
           <a:p>
             <a:fld id="{E769374C-7030-47EF-9C95-C080002EFD85}" type="datetimeFigureOut">
               <a:rPr lang="en-US" smtClean="0"/>
-              <a:t>11/9/2025</a:t>
+              <a:t>11/11/2025</a:t>
             </a:fld>
             <a:endParaRPr lang="en-US"/>
           </a:p>
@@ -2728,7 +2848,7 @@
           <a:p>
             <a:fld id="{E769374C-7030-47EF-9C95-C080002EFD85}" type="datetimeFigureOut">
               <a:rPr lang="en-US" smtClean="0"/>
-              <a:t>11/9/2025</a:t>
+              <a:t>11/11/2025</a:t>
             </a:fld>
             <a:endParaRPr lang="en-US"/>
           </a:p>
@@ -2969,7 +3089,7 @@
           <a:p>
             <a:fld id="{E769374C-7030-47EF-9C95-C080002EFD85}" type="datetimeFigureOut">
               <a:rPr lang="en-US" smtClean="0"/>
-              <a:t>11/9/2025</a:t>
+              <a:t>11/11/2025</a:t>
             </a:fld>
             <a:endParaRPr lang="en-US"/>
           </a:p>
@@ -3428,6 +3548,140 @@
 </p:sld>
 </file>
 
+<file path=ppt/slides/slide10.xml><?xml version="1.0" encoding="utf-8"?>
+<p:sld xmlns:a="http://schemas.openxmlformats.org/drawingml/2006/main" xmlns:r="http://schemas.openxmlformats.org/officeDocument/2006/relationships" xmlns:p="http://schemas.openxmlformats.org/presentationml/2006/main">
+  <p:cSld>
+    <p:spTree>
+      <p:nvGrpSpPr>
+        <p:cNvPr id="1" name=""/>
+        <p:cNvGrpSpPr/>
+        <p:nvPr/>
+      </p:nvGrpSpPr>
+      <p:grpSpPr>
+        <a:xfrm>
+          <a:off x="0" y="0"/>
+          <a:ext cx="0" cy="0"/>
+          <a:chOff x="0" y="0"/>
+          <a:chExt cx="0" cy="0"/>
+        </a:xfrm>
+      </p:grpSpPr>
+      <p:pic>
+        <p:nvPicPr>
+          <p:cNvPr id="9" name="Picture 8" descr="A diagram and graph of a graph&#10;&#10;AI-generated content may be incorrect.">
+            <a:extLst>
+              <a:ext uri="{FF2B5EF4-FFF2-40B4-BE49-F238E27FC236}">
+                <a16:creationId xmlns:a16="http://schemas.microsoft.com/office/drawing/2014/main" id="{CC8E2CAE-CF14-1B6C-C392-68AC7FB94B03}"/>
+              </a:ext>
+            </a:extLst>
+          </p:cNvPr>
+          <p:cNvPicPr>
+            <a:picLocks noChangeAspect="1"/>
+          </p:cNvPicPr>
+          <p:nvPr/>
+        </p:nvPicPr>
+        <p:blipFill>
+          <a:blip r:embed="rId2">
+            <a:extLst>
+              <a:ext uri="{28A0092B-C50C-407E-A947-70E740481C1C}">
+                <a14:useLocalDpi xmlns:a14="http://schemas.microsoft.com/office/drawing/2010/main" val="0"/>
+              </a:ext>
+            </a:extLst>
+          </a:blip>
+          <a:srcRect l="10050" r="8575" b="6964"/>
+          <a:stretch>
+            <a:fillRect/>
+          </a:stretch>
+        </p:blipFill>
+        <p:spPr>
+          <a:xfrm>
+            <a:off x="1135380" y="572579"/>
+            <a:ext cx="9921240" cy="5712841"/>
+          </a:xfrm>
+          <a:prstGeom prst="rect">
+            <a:avLst/>
+          </a:prstGeom>
+        </p:spPr>
+      </p:pic>
+    </p:spTree>
+    <p:extLst>
+      <p:ext uri="{BB962C8B-B14F-4D97-AF65-F5344CB8AC3E}">
+        <p14:creationId xmlns:p14="http://schemas.microsoft.com/office/powerpoint/2010/main" val="4212168836"/>
+      </p:ext>
+    </p:extLst>
+  </p:cSld>
+  <p:clrMapOvr>
+    <a:masterClrMapping/>
+  </p:clrMapOvr>
+</p:sld>
+</file>
+
+<file path=ppt/slides/slide11.xml><?xml version="1.0" encoding="utf-8"?>
+<p:sld xmlns:a="http://schemas.openxmlformats.org/drawingml/2006/main" xmlns:r="http://schemas.openxmlformats.org/officeDocument/2006/relationships" xmlns:p="http://schemas.openxmlformats.org/presentationml/2006/main">
+  <p:cSld>
+    <p:spTree>
+      <p:nvGrpSpPr>
+        <p:cNvPr id="1" name=""/>
+        <p:cNvGrpSpPr/>
+        <p:nvPr/>
+      </p:nvGrpSpPr>
+      <p:grpSpPr>
+        <a:xfrm>
+          <a:off x="0" y="0"/>
+          <a:ext cx="0" cy="0"/>
+          <a:chOff x="0" y="0"/>
+          <a:chExt cx="0" cy="0"/>
+        </a:xfrm>
+      </p:grpSpPr>
+      <p:pic>
+        <p:nvPicPr>
+          <p:cNvPr id="9" name="Picture 8" descr="A circular object with different colors">
+            <a:extLst>
+              <a:ext uri="{FF2B5EF4-FFF2-40B4-BE49-F238E27FC236}">
+                <a16:creationId xmlns:a16="http://schemas.microsoft.com/office/drawing/2014/main" id="{C3D32205-B01D-3AA9-9ABC-E2FD47ECEE62}"/>
+              </a:ext>
+            </a:extLst>
+          </p:cNvPr>
+          <p:cNvPicPr>
+            <a:picLocks noChangeAspect="1"/>
+          </p:cNvPicPr>
+          <p:nvPr/>
+        </p:nvPicPr>
+        <p:blipFill>
+          <a:blip r:embed="rId2">
+            <a:extLst>
+              <a:ext uri="{28A0092B-C50C-407E-A947-70E740481C1C}">
+                <a14:useLocalDpi xmlns:a14="http://schemas.microsoft.com/office/drawing/2010/main" val="0"/>
+              </a:ext>
+            </a:extLst>
+          </a:blip>
+          <a:srcRect l="32850" t="9048" r="16675" b="7113"/>
+          <a:stretch>
+            <a:fillRect/>
+          </a:stretch>
+        </p:blipFill>
+        <p:spPr>
+          <a:xfrm>
+            <a:off x="3019044" y="854964"/>
+            <a:ext cx="6153912" cy="5148072"/>
+          </a:xfrm>
+          <a:prstGeom prst="rect">
+            <a:avLst/>
+          </a:prstGeom>
+        </p:spPr>
+      </p:pic>
+    </p:spTree>
+    <p:extLst>
+      <p:ext uri="{BB962C8B-B14F-4D97-AF65-F5344CB8AC3E}">
+        <p14:creationId xmlns:p14="http://schemas.microsoft.com/office/powerpoint/2010/main" val="2100605232"/>
+      </p:ext>
+    </p:extLst>
+  </p:cSld>
+  <p:clrMapOvr>
+    <a:masterClrMapping/>
+  </p:clrMapOvr>
+</p:sld>
+</file>
+
 <file path=ppt/slides/slide2.xml><?xml version="1.0" encoding="utf-8"?>
 <p:sld xmlns:a="http://schemas.openxmlformats.org/drawingml/2006/main" xmlns:r="http://schemas.openxmlformats.org/officeDocument/2006/relationships" xmlns:p="http://schemas.openxmlformats.org/presentationml/2006/main">
   <p:cSld>
@@ -3870,6 +4124,73 @@
     <p:extLst>
       <p:ext uri="{BB962C8B-B14F-4D97-AF65-F5344CB8AC3E}">
         <p14:creationId xmlns:p14="http://schemas.microsoft.com/office/powerpoint/2010/main" val="3141622673"/>
+      </p:ext>
+    </p:extLst>
+  </p:cSld>
+  <p:clrMapOvr>
+    <a:masterClrMapping/>
+  </p:clrMapOvr>
+</p:sld>
+</file>
+
+<file path=ppt/slides/slide9.xml><?xml version="1.0" encoding="utf-8"?>
+<p:sld xmlns:a="http://schemas.openxmlformats.org/drawingml/2006/main" xmlns:r="http://schemas.openxmlformats.org/officeDocument/2006/relationships" xmlns:p="http://schemas.openxmlformats.org/presentationml/2006/main">
+  <p:cSld>
+    <p:spTree>
+      <p:nvGrpSpPr>
+        <p:cNvPr id="1" name=""/>
+        <p:cNvGrpSpPr/>
+        <p:nvPr/>
+      </p:nvGrpSpPr>
+      <p:grpSpPr>
+        <a:xfrm>
+          <a:off x="0" y="0"/>
+          <a:ext cx="0" cy="0"/>
+          <a:chOff x="0" y="0"/>
+          <a:chExt cx="0" cy="0"/>
+        </a:xfrm>
+      </p:grpSpPr>
+      <p:pic>
+        <p:nvPicPr>
+          <p:cNvPr id="7" name="Picture 6" descr="A diagram of a graph&#10;&#10;AI-generated content may be incorrect.">
+            <a:extLst>
+              <a:ext uri="{FF2B5EF4-FFF2-40B4-BE49-F238E27FC236}">
+                <a16:creationId xmlns:a16="http://schemas.microsoft.com/office/drawing/2014/main" id="{BD5F7C19-B9F9-4BC9-B577-A048B230BE2C}"/>
+              </a:ext>
+            </a:extLst>
+          </p:cNvPr>
+          <p:cNvPicPr>
+            <a:picLocks noChangeAspect="1"/>
+          </p:cNvPicPr>
+          <p:nvPr/>
+        </p:nvPicPr>
+        <p:blipFill>
+          <a:blip r:embed="rId2">
+            <a:extLst>
+              <a:ext uri="{28A0092B-C50C-407E-A947-70E740481C1C}">
+                <a14:useLocalDpi xmlns:a14="http://schemas.microsoft.com/office/drawing/2010/main" val="0"/>
+              </a:ext>
+            </a:extLst>
+          </a:blip>
+          <a:srcRect l="10105" r="9133" b="8029"/>
+          <a:stretch>
+            <a:fillRect/>
+          </a:stretch>
+        </p:blipFill>
+        <p:spPr>
+          <a:xfrm>
+            <a:off x="1172678" y="605305"/>
+            <a:ext cx="9846644" cy="5647389"/>
+          </a:xfrm>
+          <a:prstGeom prst="rect">
+            <a:avLst/>
+          </a:prstGeom>
+        </p:spPr>
+      </p:pic>
+    </p:spTree>
+    <p:extLst>
+      <p:ext uri="{BB962C8B-B14F-4D97-AF65-F5344CB8AC3E}">
+        <p14:creationId xmlns:p14="http://schemas.microsoft.com/office/powerpoint/2010/main" val="645188899"/>
       </p:ext>
     </p:extLst>
   </p:cSld>

--- a/Fourier_Optics_Report_Fall_2025/Images.pptx
+++ b/Fourier_Optics_Report_Fall_2025/Images.pptx
@@ -16,6 +16,8 @@
     <p:sldId id="264" r:id="rId10"/>
     <p:sldId id="265" r:id="rId11"/>
     <p:sldId id="266" r:id="rId12"/>
+    <p:sldId id="267" r:id="rId13"/>
+    <p:sldId id="268" r:id="rId14"/>
   </p:sldIdLst>
   <p:sldSz cx="12192000" cy="6858000"/>
   <p:notesSz cx="6858000" cy="9144000"/>
@@ -125,7 +127,7 @@
 <file path=ppt/revisionInfo.xml><?xml version="1.0" encoding="utf-8"?>
 <p1510:revInfo xmlns:a="http://schemas.openxmlformats.org/drawingml/2006/main" xmlns:r="http://schemas.openxmlformats.org/officeDocument/2006/relationships" xmlns:p1510="http://schemas.microsoft.com/office/powerpoint/2015/10/main">
   <p1510:revLst>
-    <p1510:client id="{CEE84D4B-2963-40DF-822C-E26EBDBC8594}" v="9" dt="2025-11-12T00:20:17.504"/>
+    <p1510:client id="{CEE84D4B-2963-40DF-822C-E26EBDBC8594}" v="11" dt="2025-11-12T23:47:21.354"/>
   </p1510:revLst>
 </p1510:revInfo>
 </file>
@@ -135,7 +137,7 @@
   <pc:docChgLst>
     <pc:chgData name="Leonello Castro Cillis" userId="e91e590b2b0fb063" providerId="LiveId" clId="{701DADFD-E51C-4F03-8684-27D996400E9F}"/>
     <pc:docChg chg="undo custSel addSld modSld">
-      <pc:chgData name="Leonello Castro Cillis" userId="e91e590b2b0fb063" providerId="LiveId" clId="{701DADFD-E51C-4F03-8684-27D996400E9F}" dt="2025-11-12T00:21:07.924" v="99" actId="1076"/>
+      <pc:chgData name="Leonello Castro Cillis" userId="e91e590b2b0fb063" providerId="LiveId" clId="{701DADFD-E51C-4F03-8684-27D996400E9F}" dt="2025-11-12T23:48:06.398" v="123" actId="1076"/>
       <pc:docMkLst>
         <pc:docMk/>
       </pc:docMkLst>
@@ -287,6 +289,76 @@
           </ac:picMkLst>
         </pc:picChg>
       </pc:sldChg>
+      <pc:sldChg chg="addSp delSp modSp new mod">
+        <pc:chgData name="Leonello Castro Cillis" userId="e91e590b2b0fb063" providerId="LiveId" clId="{701DADFD-E51C-4F03-8684-27D996400E9F}" dt="2025-11-12T23:48:06.398" v="123" actId="1076"/>
+        <pc:sldMkLst>
+          <pc:docMk/>
+          <pc:sldMk cId="683878915" sldId="267"/>
+        </pc:sldMkLst>
+        <pc:spChg chg="del">
+          <ac:chgData name="Leonello Castro Cillis" userId="e91e590b2b0fb063" providerId="LiveId" clId="{701DADFD-E51C-4F03-8684-27D996400E9F}" dt="2025-11-12T23:46:45.300" v="101" actId="478"/>
+          <ac:spMkLst>
+            <pc:docMk/>
+            <pc:sldMk cId="683878915" sldId="267"/>
+            <ac:spMk id="2" creationId="{5B1B4038-A373-1E65-4DC0-FD983DD4D8CA}"/>
+          </ac:spMkLst>
+        </pc:spChg>
+        <pc:spChg chg="del">
+          <ac:chgData name="Leonello Castro Cillis" userId="e91e590b2b0fb063" providerId="LiveId" clId="{701DADFD-E51C-4F03-8684-27D996400E9F}" dt="2025-11-12T23:46:46.323" v="102" actId="478"/>
+          <ac:spMkLst>
+            <pc:docMk/>
+            <pc:sldMk cId="683878915" sldId="267"/>
+            <ac:spMk id="3" creationId="{338D5455-CC57-876E-9F4C-58C7D86EB1DB}"/>
+          </ac:spMkLst>
+        </pc:spChg>
+        <pc:picChg chg="add mod modCrop">
+          <ac:chgData name="Leonello Castro Cillis" userId="e91e590b2b0fb063" providerId="LiveId" clId="{701DADFD-E51C-4F03-8684-27D996400E9F}" dt="2025-11-12T23:48:06.398" v="123" actId="1076"/>
+          <ac:picMkLst>
+            <pc:docMk/>
+            <pc:sldMk cId="683878915" sldId="267"/>
+            <ac:picMk id="5" creationId="{E9C2D231-EF6F-D247-82EB-520A72FED47F}"/>
+          </ac:picMkLst>
+        </pc:picChg>
+        <pc:picChg chg="add del mod">
+          <ac:chgData name="Leonello Castro Cillis" userId="e91e590b2b0fb063" providerId="LiveId" clId="{701DADFD-E51C-4F03-8684-27D996400E9F}" dt="2025-11-12T23:47:12.269" v="108" actId="21"/>
+          <ac:picMkLst>
+            <pc:docMk/>
+            <pc:sldMk cId="683878915" sldId="267"/>
+            <ac:picMk id="7" creationId="{D66153CA-9426-1098-9B52-901FDEEEAFC1}"/>
+          </ac:picMkLst>
+        </pc:picChg>
+      </pc:sldChg>
+      <pc:sldChg chg="addSp delSp modSp new mod">
+        <pc:chgData name="Leonello Castro Cillis" userId="e91e590b2b0fb063" providerId="LiveId" clId="{701DADFD-E51C-4F03-8684-27D996400E9F}" dt="2025-11-12T23:47:45.317" v="119" actId="1076"/>
+        <pc:sldMkLst>
+          <pc:docMk/>
+          <pc:sldMk cId="279330619" sldId="268"/>
+        </pc:sldMkLst>
+        <pc:spChg chg="del">
+          <ac:chgData name="Leonello Castro Cillis" userId="e91e590b2b0fb063" providerId="LiveId" clId="{701DADFD-E51C-4F03-8684-27D996400E9F}" dt="2025-11-12T23:47:18.459" v="110" actId="478"/>
+          <ac:spMkLst>
+            <pc:docMk/>
+            <pc:sldMk cId="279330619" sldId="268"/>
+            <ac:spMk id="2" creationId="{68D6BA9E-10F5-3B55-09BB-20BECC339938}"/>
+          </ac:spMkLst>
+        </pc:spChg>
+        <pc:spChg chg="del">
+          <ac:chgData name="Leonello Castro Cillis" userId="e91e590b2b0fb063" providerId="LiveId" clId="{701DADFD-E51C-4F03-8684-27D996400E9F}" dt="2025-11-12T23:47:20.067" v="111" actId="478"/>
+          <ac:spMkLst>
+            <pc:docMk/>
+            <pc:sldMk cId="279330619" sldId="268"/>
+            <ac:spMk id="3" creationId="{D5FD97DA-1F63-030D-7F1D-596E8E09FDEF}"/>
+          </ac:spMkLst>
+        </pc:spChg>
+        <pc:picChg chg="add mod modCrop">
+          <ac:chgData name="Leonello Castro Cillis" userId="e91e590b2b0fb063" providerId="LiveId" clId="{701DADFD-E51C-4F03-8684-27D996400E9F}" dt="2025-11-12T23:47:45.317" v="119" actId="1076"/>
+          <ac:picMkLst>
+            <pc:docMk/>
+            <pc:sldMk cId="279330619" sldId="268"/>
+            <ac:picMk id="7" creationId="{D66153CA-9426-1098-9B52-901FDEEEAFC1}"/>
+          </ac:picMkLst>
+        </pc:picChg>
+      </pc:sldChg>
     </pc:docChg>
   </pc:docChgLst>
 </pc:chgInfo>
@@ -439,7 +511,7 @@
           <a:p>
             <a:fld id="{E769374C-7030-47EF-9C95-C080002EFD85}" type="datetimeFigureOut">
               <a:rPr lang="en-US" smtClean="0"/>
-              <a:t>11/11/2025</a:t>
+              <a:t>11/12/2025</a:t>
             </a:fld>
             <a:endParaRPr lang="en-US"/>
           </a:p>
@@ -637,7 +709,7 @@
           <a:p>
             <a:fld id="{E769374C-7030-47EF-9C95-C080002EFD85}" type="datetimeFigureOut">
               <a:rPr lang="en-US" smtClean="0"/>
-              <a:t>11/11/2025</a:t>
+              <a:t>11/12/2025</a:t>
             </a:fld>
             <a:endParaRPr lang="en-US"/>
           </a:p>
@@ -845,7 +917,7 @@
           <a:p>
             <a:fld id="{E769374C-7030-47EF-9C95-C080002EFD85}" type="datetimeFigureOut">
               <a:rPr lang="en-US" smtClean="0"/>
-              <a:t>11/11/2025</a:t>
+              <a:t>11/12/2025</a:t>
             </a:fld>
             <a:endParaRPr lang="en-US"/>
           </a:p>
@@ -1043,7 +1115,7 @@
           <a:p>
             <a:fld id="{E769374C-7030-47EF-9C95-C080002EFD85}" type="datetimeFigureOut">
               <a:rPr lang="en-US" smtClean="0"/>
-              <a:t>11/11/2025</a:t>
+              <a:t>11/12/2025</a:t>
             </a:fld>
             <a:endParaRPr lang="en-US"/>
           </a:p>
@@ -1318,7 +1390,7 @@
           <a:p>
             <a:fld id="{E769374C-7030-47EF-9C95-C080002EFD85}" type="datetimeFigureOut">
               <a:rPr lang="en-US" smtClean="0"/>
-              <a:t>11/11/2025</a:t>
+              <a:t>11/12/2025</a:t>
             </a:fld>
             <a:endParaRPr lang="en-US"/>
           </a:p>
@@ -1583,7 +1655,7 @@
           <a:p>
             <a:fld id="{E769374C-7030-47EF-9C95-C080002EFD85}" type="datetimeFigureOut">
               <a:rPr lang="en-US" smtClean="0"/>
-              <a:t>11/11/2025</a:t>
+              <a:t>11/12/2025</a:t>
             </a:fld>
             <a:endParaRPr lang="en-US"/>
           </a:p>
@@ -1995,7 +2067,7 @@
           <a:p>
             <a:fld id="{E769374C-7030-47EF-9C95-C080002EFD85}" type="datetimeFigureOut">
               <a:rPr lang="en-US" smtClean="0"/>
-              <a:t>11/11/2025</a:t>
+              <a:t>11/12/2025</a:t>
             </a:fld>
             <a:endParaRPr lang="en-US"/>
           </a:p>
@@ -2136,7 +2208,7 @@
           <a:p>
             <a:fld id="{E769374C-7030-47EF-9C95-C080002EFD85}" type="datetimeFigureOut">
               <a:rPr lang="en-US" smtClean="0"/>
-              <a:t>11/11/2025</a:t>
+              <a:t>11/12/2025</a:t>
             </a:fld>
             <a:endParaRPr lang="en-US"/>
           </a:p>
@@ -2249,7 +2321,7 @@
           <a:p>
             <a:fld id="{E769374C-7030-47EF-9C95-C080002EFD85}" type="datetimeFigureOut">
               <a:rPr lang="en-US" smtClean="0"/>
-              <a:t>11/11/2025</a:t>
+              <a:t>11/12/2025</a:t>
             </a:fld>
             <a:endParaRPr lang="en-US"/>
           </a:p>
@@ -2560,7 +2632,7 @@
           <a:p>
             <a:fld id="{E769374C-7030-47EF-9C95-C080002EFD85}" type="datetimeFigureOut">
               <a:rPr lang="en-US" smtClean="0"/>
-              <a:t>11/11/2025</a:t>
+              <a:t>11/12/2025</a:t>
             </a:fld>
             <a:endParaRPr lang="en-US"/>
           </a:p>
@@ -2848,7 +2920,7 @@
           <a:p>
             <a:fld id="{E769374C-7030-47EF-9C95-C080002EFD85}" type="datetimeFigureOut">
               <a:rPr lang="en-US" smtClean="0"/>
-              <a:t>11/11/2025</a:t>
+              <a:t>11/12/2025</a:t>
             </a:fld>
             <a:endParaRPr lang="en-US"/>
           </a:p>
@@ -3089,7 +3161,7 @@
           <a:p>
             <a:fld id="{E769374C-7030-47EF-9C95-C080002EFD85}" type="datetimeFigureOut">
               <a:rPr lang="en-US" smtClean="0"/>
-              <a:t>11/11/2025</a:t>
+              <a:t>11/12/2025</a:t>
             </a:fld>
             <a:endParaRPr lang="en-US"/>
           </a:p>
@@ -3673,6 +3745,140 @@
     <p:extLst>
       <p:ext uri="{BB962C8B-B14F-4D97-AF65-F5344CB8AC3E}">
         <p14:creationId xmlns:p14="http://schemas.microsoft.com/office/powerpoint/2010/main" val="2100605232"/>
+      </p:ext>
+    </p:extLst>
+  </p:cSld>
+  <p:clrMapOvr>
+    <a:masterClrMapping/>
+  </p:clrMapOvr>
+</p:sld>
+</file>
+
+<file path=ppt/slides/slide12.xml><?xml version="1.0" encoding="utf-8"?>
+<p:sld xmlns:a="http://schemas.openxmlformats.org/drawingml/2006/main" xmlns:r="http://schemas.openxmlformats.org/officeDocument/2006/relationships" xmlns:p="http://schemas.openxmlformats.org/presentationml/2006/main">
+  <p:cSld>
+    <p:spTree>
+      <p:nvGrpSpPr>
+        <p:cNvPr id="1" name=""/>
+        <p:cNvGrpSpPr/>
+        <p:nvPr/>
+      </p:nvGrpSpPr>
+      <p:grpSpPr>
+        <a:xfrm>
+          <a:off x="0" y="0"/>
+          <a:ext cx="0" cy="0"/>
+          <a:chOff x="0" y="0"/>
+          <a:chExt cx="0" cy="0"/>
+        </a:xfrm>
+      </p:grpSpPr>
+      <p:pic>
+        <p:nvPicPr>
+          <p:cNvPr id="5" name="Picture 4" descr="A graph and diagram of a graph&#10;&#10;AI-generated content may be incorrect.">
+            <a:extLst>
+              <a:ext uri="{FF2B5EF4-FFF2-40B4-BE49-F238E27FC236}">
+                <a16:creationId xmlns:a16="http://schemas.microsoft.com/office/drawing/2014/main" id="{E9C2D231-EF6F-D247-82EB-520A72FED47F}"/>
+              </a:ext>
+            </a:extLst>
+          </p:cNvPr>
+          <p:cNvPicPr>
+            <a:picLocks noChangeAspect="1"/>
+          </p:cNvPicPr>
+          <p:nvPr/>
+        </p:nvPicPr>
+        <p:blipFill>
+          <a:blip r:embed="rId2">
+            <a:extLst>
+              <a:ext uri="{28A0092B-C50C-407E-A947-70E740481C1C}">
+                <a14:useLocalDpi xmlns:a14="http://schemas.microsoft.com/office/drawing/2010/main" val="0"/>
+              </a:ext>
+            </a:extLst>
+          </a:blip>
+          <a:srcRect l="8324" r="8426" b="2200"/>
+          <a:stretch>
+            <a:fillRect/>
+          </a:stretch>
+        </p:blipFill>
+        <p:spPr>
+          <a:xfrm>
+            <a:off x="1021080" y="1193292"/>
+            <a:ext cx="10149840" cy="4471416"/>
+          </a:xfrm>
+          <a:prstGeom prst="rect">
+            <a:avLst/>
+          </a:prstGeom>
+        </p:spPr>
+      </p:pic>
+    </p:spTree>
+    <p:extLst>
+      <p:ext uri="{BB962C8B-B14F-4D97-AF65-F5344CB8AC3E}">
+        <p14:creationId xmlns:p14="http://schemas.microsoft.com/office/powerpoint/2010/main" val="683878915"/>
+      </p:ext>
+    </p:extLst>
+  </p:cSld>
+  <p:clrMapOvr>
+    <a:masterClrMapping/>
+  </p:clrMapOvr>
+</p:sld>
+</file>
+
+<file path=ppt/slides/slide13.xml><?xml version="1.0" encoding="utf-8"?>
+<p:sld xmlns:a="http://schemas.openxmlformats.org/drawingml/2006/main" xmlns:r="http://schemas.openxmlformats.org/officeDocument/2006/relationships" xmlns:p="http://schemas.openxmlformats.org/presentationml/2006/main">
+  <p:cSld>
+    <p:spTree>
+      <p:nvGrpSpPr>
+        <p:cNvPr id="1" name=""/>
+        <p:cNvGrpSpPr/>
+        <p:nvPr/>
+      </p:nvGrpSpPr>
+      <p:grpSpPr>
+        <a:xfrm>
+          <a:off x="0" y="0"/>
+          <a:ext cx="0" cy="0"/>
+          <a:chOff x="0" y="0"/>
+          <a:chExt cx="0" cy="0"/>
+        </a:xfrm>
+      </p:grpSpPr>
+      <p:pic>
+        <p:nvPicPr>
+          <p:cNvPr id="7" name="Picture 6" descr="A close-up of a brain scan">
+            <a:extLst>
+              <a:ext uri="{FF2B5EF4-FFF2-40B4-BE49-F238E27FC236}">
+                <a16:creationId xmlns:a16="http://schemas.microsoft.com/office/drawing/2014/main" id="{D66153CA-9426-1098-9B52-901FDEEEAFC1}"/>
+              </a:ext>
+            </a:extLst>
+          </p:cNvPr>
+          <p:cNvPicPr>
+            <a:picLocks noChangeAspect="1"/>
+          </p:cNvPicPr>
+          <p:nvPr/>
+        </p:nvPicPr>
+        <p:blipFill>
+          <a:blip r:embed="rId2">
+            <a:extLst>
+              <a:ext uri="{28A0092B-C50C-407E-A947-70E740481C1C}">
+                <a14:useLocalDpi xmlns:a14="http://schemas.microsoft.com/office/drawing/2010/main" val="0"/>
+              </a:ext>
+            </a:extLst>
+          </a:blip>
+          <a:srcRect l="6795" t="10735" r="8726" b="9584"/>
+          <a:stretch>
+            <a:fillRect/>
+          </a:stretch>
+        </p:blipFill>
+        <p:spPr>
+          <a:xfrm>
+            <a:off x="1267968" y="1152144"/>
+            <a:ext cx="9656064" cy="4553712"/>
+          </a:xfrm>
+          <a:prstGeom prst="rect">
+            <a:avLst/>
+          </a:prstGeom>
+        </p:spPr>
+      </p:pic>
+    </p:spTree>
+    <p:extLst>
+      <p:ext uri="{BB962C8B-B14F-4D97-AF65-F5344CB8AC3E}">
+        <p14:creationId xmlns:p14="http://schemas.microsoft.com/office/powerpoint/2010/main" val="279330619"/>
       </p:ext>
     </p:extLst>
   </p:cSld>

--- a/Fourier_Optics_Report_Fall_2025/Images.pptx
+++ b/Fourier_Optics_Report_Fall_2025/Images.pptx
@@ -18,6 +18,7 @@
     <p:sldId id="266" r:id="rId12"/>
     <p:sldId id="267" r:id="rId13"/>
     <p:sldId id="268" r:id="rId14"/>
+    <p:sldId id="269" r:id="rId15"/>
   </p:sldIdLst>
   <p:sldSz cx="12192000" cy="6858000"/>
   <p:notesSz cx="6858000" cy="9144000"/>
@@ -127,7 +128,7 @@
 <file path=ppt/revisionInfo.xml><?xml version="1.0" encoding="utf-8"?>
 <p1510:revInfo xmlns:a="http://schemas.openxmlformats.org/drawingml/2006/main" xmlns:r="http://schemas.openxmlformats.org/officeDocument/2006/relationships" xmlns:p1510="http://schemas.microsoft.com/office/powerpoint/2015/10/main">
   <p1510:revLst>
-    <p1510:client id="{CEE84D4B-2963-40DF-822C-E26EBDBC8594}" v="11" dt="2025-11-12T23:47:21.354"/>
+    <p1510:client id="{CEE84D4B-2963-40DF-822C-E26EBDBC8594}" v="12" dt="2025-11-17T18:23:58.634"/>
   </p1510:revLst>
 </p1510:revInfo>
 </file>
@@ -137,7 +138,7 @@
   <pc:docChgLst>
     <pc:chgData name="Leonello Castro Cillis" userId="e91e590b2b0fb063" providerId="LiveId" clId="{701DADFD-E51C-4F03-8684-27D996400E9F}"/>
     <pc:docChg chg="undo custSel addSld modSld">
-      <pc:chgData name="Leonello Castro Cillis" userId="e91e590b2b0fb063" providerId="LiveId" clId="{701DADFD-E51C-4F03-8684-27D996400E9F}" dt="2025-11-12T23:48:06.398" v="123" actId="1076"/>
+      <pc:chgData name="Leonello Castro Cillis" userId="e91e590b2b0fb063" providerId="LiveId" clId="{701DADFD-E51C-4F03-8684-27D996400E9F}" dt="2025-11-17T18:24:31.617" v="134" actId="1076"/>
       <pc:docMkLst>
         <pc:docMk/>
       </pc:docMkLst>
@@ -162,30 +163,6 @@
           <pc:docMk/>
           <pc:sldMk cId="645188899" sldId="264"/>
         </pc:sldMkLst>
-        <pc:spChg chg="del">
-          <ac:chgData name="Leonello Castro Cillis" userId="e91e590b2b0fb063" providerId="LiveId" clId="{701DADFD-E51C-4F03-8684-27D996400E9F}" dt="2025-11-11T21:23:42.529" v="14" actId="478"/>
-          <ac:spMkLst>
-            <pc:docMk/>
-            <pc:sldMk cId="645188899" sldId="264"/>
-            <ac:spMk id="2" creationId="{5B0BE39E-04D3-2592-1221-0E835310E5C1}"/>
-          </ac:spMkLst>
-        </pc:spChg>
-        <pc:spChg chg="del mod">
-          <ac:chgData name="Leonello Castro Cillis" userId="e91e590b2b0fb063" providerId="LiveId" clId="{701DADFD-E51C-4F03-8684-27D996400E9F}" dt="2025-11-11T21:23:49.216" v="16" actId="478"/>
-          <ac:spMkLst>
-            <pc:docMk/>
-            <pc:sldMk cId="645188899" sldId="264"/>
-            <ac:spMk id="3" creationId="{F03248B5-E4CE-2F8C-E52A-492E4B0B66C2}"/>
-          </ac:spMkLst>
-        </pc:spChg>
-        <pc:picChg chg="add del mod modCrop">
-          <ac:chgData name="Leonello Castro Cillis" userId="e91e590b2b0fb063" providerId="LiveId" clId="{701DADFD-E51C-4F03-8684-27D996400E9F}" dt="2025-11-11T21:32:25.503" v="26" actId="478"/>
-          <ac:picMkLst>
-            <pc:docMk/>
-            <pc:sldMk cId="645188899" sldId="264"/>
-            <ac:picMk id="5" creationId="{6F2C2518-4D04-217B-671A-E8D6D0B21B67}"/>
-          </ac:picMkLst>
-        </pc:picChg>
         <pc:picChg chg="add mod modCrop">
           <ac:chgData name="Leonello Castro Cillis" userId="e91e590b2b0fb063" providerId="LiveId" clId="{701DADFD-E51C-4F03-8684-27D996400E9F}" dt="2025-11-11T21:32:54.721" v="33" actId="1076"/>
           <ac:picMkLst>
@@ -201,38 +178,6 @@
           <pc:docMk/>
           <pc:sldMk cId="4212168836" sldId="265"/>
         </pc:sldMkLst>
-        <pc:spChg chg="del">
-          <ac:chgData name="Leonello Castro Cillis" userId="e91e590b2b0fb063" providerId="LiveId" clId="{701DADFD-E51C-4F03-8684-27D996400E9F}" dt="2025-11-11T21:42:54.784" v="36" actId="478"/>
-          <ac:spMkLst>
-            <pc:docMk/>
-            <pc:sldMk cId="4212168836" sldId="265"/>
-            <ac:spMk id="2" creationId="{26DC5A8D-7FC4-AF5B-37C0-1C38341F6BB6}"/>
-          </ac:spMkLst>
-        </pc:spChg>
-        <pc:spChg chg="del">
-          <ac:chgData name="Leonello Castro Cillis" userId="e91e590b2b0fb063" providerId="LiveId" clId="{701DADFD-E51C-4F03-8684-27D996400E9F}" dt="2025-11-11T21:42:51.396" v="35" actId="478"/>
-          <ac:spMkLst>
-            <pc:docMk/>
-            <pc:sldMk cId="4212168836" sldId="265"/>
-            <ac:spMk id="3" creationId="{4ED4F65D-5687-77D4-71C9-915B103A5351}"/>
-          </ac:spMkLst>
-        </pc:spChg>
-        <pc:picChg chg="add del mod modCrop">
-          <ac:chgData name="Leonello Castro Cillis" userId="e91e590b2b0fb063" providerId="LiveId" clId="{701DADFD-E51C-4F03-8684-27D996400E9F}" dt="2025-11-11T22:21:02.832" v="59" actId="478"/>
-          <ac:picMkLst>
-            <pc:docMk/>
-            <pc:sldMk cId="4212168836" sldId="265"/>
-            <ac:picMk id="5" creationId="{71141ED2-C477-8CC7-9C71-52478A98A2B8}"/>
-          </ac:picMkLst>
-        </pc:picChg>
-        <pc:picChg chg="add del mod modCrop">
-          <ac:chgData name="Leonello Castro Cillis" userId="e91e590b2b0fb063" providerId="LiveId" clId="{701DADFD-E51C-4F03-8684-27D996400E9F}" dt="2025-11-12T00:19:16.248" v="81" actId="478"/>
-          <ac:picMkLst>
-            <pc:docMk/>
-            <pc:sldMk cId="4212168836" sldId="265"/>
-            <ac:picMk id="7" creationId="{75DCB874-C001-A237-9696-3B9F1480F336}"/>
-          </ac:picMkLst>
-        </pc:picChg>
         <pc:picChg chg="add mod modCrop">
           <ac:chgData name="Leonello Castro Cillis" userId="e91e590b2b0fb063" providerId="LiveId" clId="{701DADFD-E51C-4F03-8684-27D996400E9F}" dt="2025-11-12T00:21:07.924" v="99" actId="1076"/>
           <ac:picMkLst>
@@ -248,38 +193,6 @@
           <pc:docMk/>
           <pc:sldMk cId="2100605232" sldId="266"/>
         </pc:sldMkLst>
-        <pc:spChg chg="del">
-          <ac:chgData name="Leonello Castro Cillis" userId="e91e590b2b0fb063" providerId="LiveId" clId="{701DADFD-E51C-4F03-8684-27D996400E9F}" dt="2025-11-11T21:43:08.761" v="40" actId="478"/>
-          <ac:spMkLst>
-            <pc:docMk/>
-            <pc:sldMk cId="2100605232" sldId="266"/>
-            <ac:spMk id="2" creationId="{7FBD181F-0D12-A797-E81B-5B8477D17FAC}"/>
-          </ac:spMkLst>
-        </pc:spChg>
-        <pc:spChg chg="del">
-          <ac:chgData name="Leonello Castro Cillis" userId="e91e590b2b0fb063" providerId="LiveId" clId="{701DADFD-E51C-4F03-8684-27D996400E9F}" dt="2025-11-11T21:43:09.869" v="41" actId="478"/>
-          <ac:spMkLst>
-            <pc:docMk/>
-            <pc:sldMk cId="2100605232" sldId="266"/>
-            <ac:spMk id="3" creationId="{63C2736A-42AB-EF28-433E-B165960B91AF}"/>
-          </ac:spMkLst>
-        </pc:spChg>
-        <pc:picChg chg="add del mod modCrop">
-          <ac:chgData name="Leonello Castro Cillis" userId="e91e590b2b0fb063" providerId="LiveId" clId="{701DADFD-E51C-4F03-8684-27D996400E9F}" dt="2025-11-11T22:21:47.239" v="69" actId="478"/>
-          <ac:picMkLst>
-            <pc:docMk/>
-            <pc:sldMk cId="2100605232" sldId="266"/>
-            <ac:picMk id="5" creationId="{8F70FF34-97E0-6D2B-E15F-2BC5A7DD0809}"/>
-          </ac:picMkLst>
-        </pc:picChg>
-        <pc:picChg chg="add del mod modCrop">
-          <ac:chgData name="Leonello Castro Cillis" userId="e91e590b2b0fb063" providerId="LiveId" clId="{701DADFD-E51C-4F03-8684-27D996400E9F}" dt="2025-11-12T00:20:11.122" v="85" actId="478"/>
-          <ac:picMkLst>
-            <pc:docMk/>
-            <pc:sldMk cId="2100605232" sldId="266"/>
-            <ac:picMk id="7" creationId="{D16BCE3E-7F9C-23E4-ABFD-4647EE2AC51D}"/>
-          </ac:picMkLst>
-        </pc:picChg>
         <pc:picChg chg="add mod modCrop">
           <ac:chgData name="Leonello Castro Cillis" userId="e91e590b2b0fb063" providerId="LiveId" clId="{701DADFD-E51C-4F03-8684-27D996400E9F}" dt="2025-11-12T00:20:47.189" v="95" actId="1076"/>
           <ac:picMkLst>
@@ -295,36 +208,12 @@
           <pc:docMk/>
           <pc:sldMk cId="683878915" sldId="267"/>
         </pc:sldMkLst>
-        <pc:spChg chg="del">
-          <ac:chgData name="Leonello Castro Cillis" userId="e91e590b2b0fb063" providerId="LiveId" clId="{701DADFD-E51C-4F03-8684-27D996400E9F}" dt="2025-11-12T23:46:45.300" v="101" actId="478"/>
-          <ac:spMkLst>
-            <pc:docMk/>
-            <pc:sldMk cId="683878915" sldId="267"/>
-            <ac:spMk id="2" creationId="{5B1B4038-A373-1E65-4DC0-FD983DD4D8CA}"/>
-          </ac:spMkLst>
-        </pc:spChg>
-        <pc:spChg chg="del">
-          <ac:chgData name="Leonello Castro Cillis" userId="e91e590b2b0fb063" providerId="LiveId" clId="{701DADFD-E51C-4F03-8684-27D996400E9F}" dt="2025-11-12T23:46:46.323" v="102" actId="478"/>
-          <ac:spMkLst>
-            <pc:docMk/>
-            <pc:sldMk cId="683878915" sldId="267"/>
-            <ac:spMk id="3" creationId="{338D5455-CC57-876E-9F4C-58C7D86EB1DB}"/>
-          </ac:spMkLst>
-        </pc:spChg>
         <pc:picChg chg="add mod modCrop">
           <ac:chgData name="Leonello Castro Cillis" userId="e91e590b2b0fb063" providerId="LiveId" clId="{701DADFD-E51C-4F03-8684-27D996400E9F}" dt="2025-11-12T23:48:06.398" v="123" actId="1076"/>
           <ac:picMkLst>
             <pc:docMk/>
             <pc:sldMk cId="683878915" sldId="267"/>
             <ac:picMk id="5" creationId="{E9C2D231-EF6F-D247-82EB-520A72FED47F}"/>
-          </ac:picMkLst>
-        </pc:picChg>
-        <pc:picChg chg="add del mod">
-          <ac:chgData name="Leonello Castro Cillis" userId="e91e590b2b0fb063" providerId="LiveId" clId="{701DADFD-E51C-4F03-8684-27D996400E9F}" dt="2025-11-12T23:47:12.269" v="108" actId="21"/>
-          <ac:picMkLst>
-            <pc:docMk/>
-            <pc:sldMk cId="683878915" sldId="267"/>
-            <ac:picMk id="7" creationId="{D66153CA-9426-1098-9B52-901FDEEEAFC1}"/>
           </ac:picMkLst>
         </pc:picChg>
       </pc:sldChg>
@@ -334,28 +223,43 @@
           <pc:docMk/>
           <pc:sldMk cId="279330619" sldId="268"/>
         </pc:sldMkLst>
-        <pc:spChg chg="del">
-          <ac:chgData name="Leonello Castro Cillis" userId="e91e590b2b0fb063" providerId="LiveId" clId="{701DADFD-E51C-4F03-8684-27D996400E9F}" dt="2025-11-12T23:47:18.459" v="110" actId="478"/>
-          <ac:spMkLst>
-            <pc:docMk/>
-            <pc:sldMk cId="279330619" sldId="268"/>
-            <ac:spMk id="2" creationId="{68D6BA9E-10F5-3B55-09BB-20BECC339938}"/>
-          </ac:spMkLst>
-        </pc:spChg>
-        <pc:spChg chg="del">
-          <ac:chgData name="Leonello Castro Cillis" userId="e91e590b2b0fb063" providerId="LiveId" clId="{701DADFD-E51C-4F03-8684-27D996400E9F}" dt="2025-11-12T23:47:20.067" v="111" actId="478"/>
-          <ac:spMkLst>
-            <pc:docMk/>
-            <pc:sldMk cId="279330619" sldId="268"/>
-            <ac:spMk id="3" creationId="{D5FD97DA-1F63-030D-7F1D-596E8E09FDEF}"/>
-          </ac:spMkLst>
-        </pc:spChg>
         <pc:picChg chg="add mod modCrop">
           <ac:chgData name="Leonello Castro Cillis" userId="e91e590b2b0fb063" providerId="LiveId" clId="{701DADFD-E51C-4F03-8684-27D996400E9F}" dt="2025-11-12T23:47:45.317" v="119" actId="1076"/>
           <ac:picMkLst>
             <pc:docMk/>
             <pc:sldMk cId="279330619" sldId="268"/>
             <ac:picMk id="7" creationId="{D66153CA-9426-1098-9B52-901FDEEEAFC1}"/>
+          </ac:picMkLst>
+        </pc:picChg>
+      </pc:sldChg>
+      <pc:sldChg chg="addSp delSp modSp new mod">
+        <pc:chgData name="Leonello Castro Cillis" userId="e91e590b2b0fb063" providerId="LiveId" clId="{701DADFD-E51C-4F03-8684-27D996400E9F}" dt="2025-11-17T18:24:31.617" v="134" actId="1076"/>
+        <pc:sldMkLst>
+          <pc:docMk/>
+          <pc:sldMk cId="873298123" sldId="269"/>
+        </pc:sldMkLst>
+        <pc:spChg chg="del">
+          <ac:chgData name="Leonello Castro Cillis" userId="e91e590b2b0fb063" providerId="LiveId" clId="{701DADFD-E51C-4F03-8684-27D996400E9F}" dt="2025-11-17T18:23:44.652" v="125" actId="478"/>
+          <ac:spMkLst>
+            <pc:docMk/>
+            <pc:sldMk cId="873298123" sldId="269"/>
+            <ac:spMk id="2" creationId="{320B1CB2-F4D4-8C5E-8252-C840970CE5B5}"/>
+          </ac:spMkLst>
+        </pc:spChg>
+        <pc:spChg chg="del">
+          <ac:chgData name="Leonello Castro Cillis" userId="e91e590b2b0fb063" providerId="LiveId" clId="{701DADFD-E51C-4F03-8684-27D996400E9F}" dt="2025-11-17T18:23:46.581" v="126" actId="478"/>
+          <ac:spMkLst>
+            <pc:docMk/>
+            <pc:sldMk cId="873298123" sldId="269"/>
+            <ac:spMk id="3" creationId="{A694000F-9AA4-E859-CC72-90BBF54845C6}"/>
+          </ac:spMkLst>
+        </pc:spChg>
+        <pc:picChg chg="add mod modCrop">
+          <ac:chgData name="Leonello Castro Cillis" userId="e91e590b2b0fb063" providerId="LiveId" clId="{701DADFD-E51C-4F03-8684-27D996400E9F}" dt="2025-11-17T18:24:31.617" v="134" actId="1076"/>
+          <ac:picMkLst>
+            <pc:docMk/>
+            <pc:sldMk cId="873298123" sldId="269"/>
+            <ac:picMk id="5" creationId="{B2D8749C-95A0-D44C-4C9F-651E149F8968}"/>
           </ac:picMkLst>
         </pc:picChg>
       </pc:sldChg>
@@ -511,7 +415,7 @@
           <a:p>
             <a:fld id="{E769374C-7030-47EF-9C95-C080002EFD85}" type="datetimeFigureOut">
               <a:rPr lang="en-US" smtClean="0"/>
-              <a:t>11/12/2025</a:t>
+              <a:t>11/17/2025</a:t>
             </a:fld>
             <a:endParaRPr lang="en-US"/>
           </a:p>
@@ -709,7 +613,7 @@
           <a:p>
             <a:fld id="{E769374C-7030-47EF-9C95-C080002EFD85}" type="datetimeFigureOut">
               <a:rPr lang="en-US" smtClean="0"/>
-              <a:t>11/12/2025</a:t>
+              <a:t>11/17/2025</a:t>
             </a:fld>
             <a:endParaRPr lang="en-US"/>
           </a:p>
@@ -917,7 +821,7 @@
           <a:p>
             <a:fld id="{E769374C-7030-47EF-9C95-C080002EFD85}" type="datetimeFigureOut">
               <a:rPr lang="en-US" smtClean="0"/>
-              <a:t>11/12/2025</a:t>
+              <a:t>11/17/2025</a:t>
             </a:fld>
             <a:endParaRPr lang="en-US"/>
           </a:p>
@@ -1115,7 +1019,7 @@
           <a:p>
             <a:fld id="{E769374C-7030-47EF-9C95-C080002EFD85}" type="datetimeFigureOut">
               <a:rPr lang="en-US" smtClean="0"/>
-              <a:t>11/12/2025</a:t>
+              <a:t>11/17/2025</a:t>
             </a:fld>
             <a:endParaRPr lang="en-US"/>
           </a:p>
@@ -1390,7 +1294,7 @@
           <a:p>
             <a:fld id="{E769374C-7030-47EF-9C95-C080002EFD85}" type="datetimeFigureOut">
               <a:rPr lang="en-US" smtClean="0"/>
-              <a:t>11/12/2025</a:t>
+              <a:t>11/17/2025</a:t>
             </a:fld>
             <a:endParaRPr lang="en-US"/>
           </a:p>
@@ -1655,7 +1559,7 @@
           <a:p>
             <a:fld id="{E769374C-7030-47EF-9C95-C080002EFD85}" type="datetimeFigureOut">
               <a:rPr lang="en-US" smtClean="0"/>
-              <a:t>11/12/2025</a:t>
+              <a:t>11/17/2025</a:t>
             </a:fld>
             <a:endParaRPr lang="en-US"/>
           </a:p>
@@ -2067,7 +1971,7 @@
           <a:p>
             <a:fld id="{E769374C-7030-47EF-9C95-C080002EFD85}" type="datetimeFigureOut">
               <a:rPr lang="en-US" smtClean="0"/>
-              <a:t>11/12/2025</a:t>
+              <a:t>11/17/2025</a:t>
             </a:fld>
             <a:endParaRPr lang="en-US"/>
           </a:p>
@@ -2208,7 +2112,7 @@
           <a:p>
             <a:fld id="{E769374C-7030-47EF-9C95-C080002EFD85}" type="datetimeFigureOut">
               <a:rPr lang="en-US" smtClean="0"/>
-              <a:t>11/12/2025</a:t>
+              <a:t>11/17/2025</a:t>
             </a:fld>
             <a:endParaRPr lang="en-US"/>
           </a:p>
@@ -2321,7 +2225,7 @@
           <a:p>
             <a:fld id="{E769374C-7030-47EF-9C95-C080002EFD85}" type="datetimeFigureOut">
               <a:rPr lang="en-US" smtClean="0"/>
-              <a:t>11/12/2025</a:t>
+              <a:t>11/17/2025</a:t>
             </a:fld>
             <a:endParaRPr lang="en-US"/>
           </a:p>
@@ -2632,7 +2536,7 @@
           <a:p>
             <a:fld id="{E769374C-7030-47EF-9C95-C080002EFD85}" type="datetimeFigureOut">
               <a:rPr lang="en-US" smtClean="0"/>
-              <a:t>11/12/2025</a:t>
+              <a:t>11/17/2025</a:t>
             </a:fld>
             <a:endParaRPr lang="en-US"/>
           </a:p>
@@ -2920,7 +2824,7 @@
           <a:p>
             <a:fld id="{E769374C-7030-47EF-9C95-C080002EFD85}" type="datetimeFigureOut">
               <a:rPr lang="en-US" smtClean="0"/>
-              <a:t>11/12/2025</a:t>
+              <a:t>11/17/2025</a:t>
             </a:fld>
             <a:endParaRPr lang="en-US"/>
           </a:p>
@@ -3161,7 +3065,7 @@
           <a:p>
             <a:fld id="{E769374C-7030-47EF-9C95-C080002EFD85}" type="datetimeFigureOut">
               <a:rPr lang="en-US" smtClean="0"/>
-              <a:t>11/12/2025</a:t>
+              <a:t>11/17/2025</a:t>
             </a:fld>
             <a:endParaRPr lang="en-US"/>
           </a:p>
@@ -3879,6 +3783,73 @@
     <p:extLst>
       <p:ext uri="{BB962C8B-B14F-4D97-AF65-F5344CB8AC3E}">
         <p14:creationId xmlns:p14="http://schemas.microsoft.com/office/powerpoint/2010/main" val="279330619"/>
+      </p:ext>
+    </p:extLst>
+  </p:cSld>
+  <p:clrMapOvr>
+    <a:masterClrMapping/>
+  </p:clrMapOvr>
+</p:sld>
+</file>
+
+<file path=ppt/slides/slide14.xml><?xml version="1.0" encoding="utf-8"?>
+<p:sld xmlns:a="http://schemas.openxmlformats.org/drawingml/2006/main" xmlns:r="http://schemas.openxmlformats.org/officeDocument/2006/relationships" xmlns:p="http://schemas.openxmlformats.org/presentationml/2006/main">
+  <p:cSld>
+    <p:spTree>
+      <p:nvGrpSpPr>
+        <p:cNvPr id="1" name=""/>
+        <p:cNvGrpSpPr/>
+        <p:nvPr/>
+      </p:nvGrpSpPr>
+      <p:grpSpPr>
+        <a:xfrm>
+          <a:off x="0" y="0"/>
+          <a:ext cx="0" cy="0"/>
+          <a:chOff x="0" y="0"/>
+          <a:chExt cx="0" cy="0"/>
+        </a:xfrm>
+      </p:grpSpPr>
+      <p:pic>
+        <p:nvPicPr>
+          <p:cNvPr id="5" name="Picture 4" descr="A graph with a purple line&#10;&#10;AI-generated content may be incorrect.">
+            <a:extLst>
+              <a:ext uri="{FF2B5EF4-FFF2-40B4-BE49-F238E27FC236}">
+                <a16:creationId xmlns:a16="http://schemas.microsoft.com/office/drawing/2014/main" id="{B2D8749C-95A0-D44C-4C9F-651E149F8968}"/>
+              </a:ext>
+            </a:extLst>
+          </p:cNvPr>
+          <p:cNvPicPr>
+            <a:picLocks noChangeAspect="1"/>
+          </p:cNvPicPr>
+          <p:nvPr/>
+        </p:nvPicPr>
+        <p:blipFill>
+          <a:blip r:embed="rId2">
+            <a:extLst>
+              <a:ext uri="{28A0092B-C50C-407E-A947-70E740481C1C}">
+                <a14:useLocalDpi xmlns:a14="http://schemas.microsoft.com/office/drawing/2010/main" val="0"/>
+              </a:ext>
+            </a:extLst>
+          </a:blip>
+          <a:srcRect l="4500" t="3538" r="1075" b="4731"/>
+          <a:stretch>
+            <a:fillRect/>
+          </a:stretch>
+        </p:blipFill>
+        <p:spPr>
+          <a:xfrm>
+            <a:off x="339852" y="612647"/>
+            <a:ext cx="11512296" cy="5632705"/>
+          </a:xfrm>
+          <a:prstGeom prst="rect">
+            <a:avLst/>
+          </a:prstGeom>
+        </p:spPr>
+      </p:pic>
+    </p:spTree>
+    <p:extLst>
+      <p:ext uri="{BB962C8B-B14F-4D97-AF65-F5344CB8AC3E}">
+        <p14:creationId xmlns:p14="http://schemas.microsoft.com/office/powerpoint/2010/main" val="873298123"/>
       </p:ext>
     </p:extLst>
   </p:cSld>
